--- a/SE LAB EXAM PPT.pptx
+++ b/SE LAB EXAM PPT.pptx
@@ -4294,7 +4294,7 @@
         </p:nvSpPr>
         <p:spPr bwMode="auto">
           <a:xfrm>
-            <a:off x="6596743" y="5037204"/>
+            <a:off x="3275045" y="4930486"/>
             <a:ext cx="4968157" cy="1428754"/>
           </a:xfrm>
           <a:prstGeom prst="rect">
@@ -4734,6 +4734,7 @@
                 <a:solidFill>
                   <a:srgbClr val="FF0000"/>
                 </a:solidFill>
+                <a:cs typeface="Times New Roman" panose="02020603050405020304" pitchFamily="18" charset="0"/>
               </a:rPr>
               <a:t>Unit Testing :</a:t>
             </a:r>
@@ -4767,11 +4768,17 @@
           <a:lstStyle/>
           <a:p>
             <a:pPr>
+              <a:lnSpc>
+                <a:spcPct val="150000"/>
+              </a:lnSpc>
               <a:buFont typeface="Arial" panose="020B0604020202020204" pitchFamily="34" charset="0"/>
               <a:buChar char="•"/>
             </a:pPr>
             <a:r>
-              <a:rPr lang="en-US" sz="2800" dirty="0"/>
+              <a:rPr lang="en-US" sz="2400" dirty="0">
+                <a:latin typeface="Times New Roman" panose="02020603050405020304" pitchFamily="18" charset="0"/>
+                <a:cs typeface="Times New Roman" panose="02020603050405020304" pitchFamily="18" charset="0"/>
+              </a:rPr>
               <a:t>Unit testing is the process where you test the smallest functional unit of code. Software testing helps ensure code quality, and it's an integral part of software development. It's a software development best practice to write software as small, functional units then write a unit test for each code unit.</a:t>
             </a:r>
           </a:p>
@@ -4923,6 +4930,7 @@
                 <a:solidFill>
                   <a:srgbClr val="FF0000"/>
                 </a:solidFill>
+                <a:cs typeface="Times New Roman" panose="02020603050405020304" pitchFamily="18" charset="0"/>
               </a:rPr>
               <a:t>  Unit Testing:</a:t>
             </a:r>
@@ -4930,6 +4938,7 @@
               <a:solidFill>
                 <a:srgbClr val="FF0000"/>
               </a:solidFill>
+              <a:cs typeface="Times New Roman" panose="02020603050405020304" pitchFamily="18" charset="0"/>
             </a:endParaRPr>
           </a:p>
         </p:txBody>
@@ -5105,6 +5114,7 @@
                 <a:solidFill>
                   <a:srgbClr val="FF0000"/>
                 </a:solidFill>
+                <a:cs typeface="Times New Roman" panose="02020603050405020304" pitchFamily="18" charset="0"/>
               </a:rPr>
               <a:t>  Unit Testing:</a:t>
             </a:r>
@@ -5112,6 +5122,7 @@
               <a:solidFill>
                 <a:srgbClr val="FF0000"/>
               </a:solidFill>
+              <a:cs typeface="Times New Roman" panose="02020603050405020304" pitchFamily="18" charset="0"/>
             </a:endParaRPr>
           </a:p>
         </p:txBody>
@@ -5302,6 +5313,7 @@
                 <a:solidFill>
                   <a:srgbClr val="FF0000"/>
                 </a:solidFill>
+                <a:cs typeface="Times New Roman" panose="02020603050405020304" pitchFamily="18" charset="0"/>
               </a:rPr>
               <a:t>Integration Testing :</a:t>
             </a:r>
@@ -5335,11 +5347,17 @@
           <a:lstStyle/>
           <a:p>
             <a:pPr>
+              <a:lnSpc>
+                <a:spcPct val="150000"/>
+              </a:lnSpc>
               <a:buFont typeface="Arial" panose="020B0604020202020204" pitchFamily="34" charset="0"/>
               <a:buChar char="•"/>
             </a:pPr>
             <a:r>
-              <a:rPr lang="en-US" sz="2800" dirty="0"/>
+              <a:rPr lang="en-US" sz="2400" dirty="0">
+                <a:latin typeface="Times New Roman" panose="02020603050405020304" pitchFamily="18" charset="0"/>
+                <a:cs typeface="Times New Roman" panose="02020603050405020304" pitchFamily="18" charset="0"/>
+              </a:rPr>
               <a:t>Integration testing is a type of software testing that verifies that the components of an application work together as expected. It's a broader test than unit testing, which focuses on isolated components of an application.</a:t>
             </a:r>
           </a:p>
@@ -5503,6 +5521,7 @@
                 <a:solidFill>
                   <a:srgbClr val="FF0000"/>
                 </a:solidFill>
+                <a:cs typeface="Times New Roman" panose="02020603050405020304" pitchFamily="18" charset="0"/>
               </a:rPr>
               <a:t>  Integration Testing:</a:t>
             </a:r>
@@ -5510,6 +5529,7 @@
               <a:solidFill>
                 <a:srgbClr val="FF0000"/>
               </a:solidFill>
+              <a:cs typeface="Times New Roman" panose="02020603050405020304" pitchFamily="18" charset="0"/>
             </a:endParaRPr>
           </a:p>
         </p:txBody>
@@ -5697,6 +5717,7 @@
                 <a:solidFill>
                   <a:srgbClr val="FF0000"/>
                 </a:solidFill>
+                <a:cs typeface="Times New Roman" panose="02020603050405020304" pitchFamily="18" charset="0"/>
               </a:rPr>
               <a:t>Login Page:</a:t>
             </a:r>
@@ -5891,6 +5912,7 @@
                 <a:solidFill>
                   <a:srgbClr val="FF0000"/>
                 </a:solidFill>
+                <a:cs typeface="Times New Roman" panose="02020603050405020304" pitchFamily="18" charset="0"/>
               </a:rPr>
               <a:t>Register Form:</a:t>
             </a:r>
@@ -6085,6 +6107,7 @@
                 <a:solidFill>
                   <a:srgbClr val="FF0000"/>
                 </a:solidFill>
+                <a:cs typeface="Times New Roman" panose="02020603050405020304" pitchFamily="18" charset="0"/>
               </a:rPr>
               <a:t>Output:</a:t>
             </a:r>
@@ -6259,7 +6282,7 @@
         </p:nvSpPr>
         <p:spPr>
           <a:xfrm>
-            <a:off x="714376" y="885825"/>
+            <a:off x="762000" y="1081045"/>
             <a:ext cx="10668000" cy="476250"/>
           </a:xfrm>
         </p:spPr>
@@ -6268,12 +6291,13 @@
           <a:lstStyle/>
           <a:p>
             <a:r>
-              <a:rPr lang="en-US" sz="3200" b="1" dirty="0">
+              <a:rPr lang="en-US" sz="3600" b="1" dirty="0">
                 <a:solidFill>
                   <a:srgbClr val="FF0000"/>
                 </a:solidFill>
+                <a:cs typeface="Times New Roman" panose="02020603050405020304" pitchFamily="18" charset="0"/>
               </a:rPr>
-              <a:t>Data Flow Diagram </a:t>
+              <a:t>Data Flow Diagram :</a:t>
             </a:r>
           </a:p>
         </p:txBody>
@@ -6737,8 +6761,8 @@
         </p:nvSpPr>
         <p:spPr>
           <a:xfrm>
-            <a:off x="714376" y="1772682"/>
-            <a:ext cx="1752599" cy="369332"/>
+            <a:off x="714375" y="1772682"/>
+            <a:ext cx="2233849" cy="369332"/>
           </a:xfrm>
           <a:prstGeom prst="rect">
             <a:avLst/>
@@ -6751,11 +6775,15 @@
           </a:bodyPr>
           <a:lstStyle/>
           <a:p>
-            <a:r>
-              <a:rPr lang="en-US" dirty="0"/>
+            <a:pPr marL="285750" indent="-285750">
+              <a:buFont typeface="Arial" panose="020B0604020202020204" pitchFamily="34" charset="0"/>
+              <a:buChar char="•"/>
+            </a:pPr>
+            <a:r>
+              <a:rPr lang="en-US" b="1" dirty="0"/>
               <a:t>Level 0 DFD:</a:t>
             </a:r>
-            <a:endParaRPr lang="en-IN" dirty="0"/>
+            <a:endParaRPr lang="en-IN" b="1" dirty="0"/>
           </a:p>
         </p:txBody>
       </p:sp>
@@ -6767,8 +6795,8 @@
         </p:nvSpPr>
         <p:spPr>
           <a:xfrm>
-            <a:off x="714376" y="2859323"/>
-            <a:ext cx="1691040" cy="369332"/>
+            <a:off x="714375" y="2859323"/>
+            <a:ext cx="2233849" cy="369332"/>
           </a:xfrm>
           <a:prstGeom prst="rect">
             <a:avLst/>
@@ -6776,16 +6804,20 @@
           <a:noFill/>
         </p:spPr>
         <p:txBody>
-          <a:bodyPr wrap="none" rtlCol="0">
+          <a:bodyPr wrap="square" rtlCol="0">
             <a:spAutoFit/>
           </a:bodyPr>
           <a:lstStyle/>
           <a:p>
-            <a:r>
-              <a:rPr lang="en-US" dirty="0"/>
+            <a:pPr marL="285750" indent="-285750">
+              <a:buFont typeface="Arial" panose="020B0604020202020204" pitchFamily="34" charset="0"/>
+              <a:buChar char="•"/>
+            </a:pPr>
+            <a:r>
+              <a:rPr lang="en-US" b="1" dirty="0"/>
               <a:t>Level 1 DFD:</a:t>
             </a:r>
-            <a:endParaRPr lang="en-IN" dirty="0"/>
+            <a:endParaRPr lang="en-IN" b="1" dirty="0"/>
           </a:p>
         </p:txBody>
       </p:sp>
@@ -8011,7 +8043,7 @@
         </p:nvSpPr>
         <p:spPr>
           <a:xfrm>
-            <a:off x="603848" y="136526"/>
+            <a:off x="812800" y="1050926"/>
             <a:ext cx="10668000" cy="476250"/>
           </a:xfrm>
         </p:spPr>
@@ -8020,12 +8052,13 @@
           <a:lstStyle/>
           <a:p>
             <a:r>
-              <a:rPr lang="en-US" sz="3200" b="1" dirty="0">
+              <a:rPr lang="en-US" sz="3600" b="1" dirty="0">
                 <a:solidFill>
                   <a:srgbClr val="FF0000"/>
                 </a:solidFill>
+                <a:cs typeface="Times New Roman" panose="02020603050405020304" pitchFamily="18" charset="0"/>
               </a:rPr>
-              <a:t>Object Oriented Design</a:t>
+              <a:t>Object Oriented Design:</a:t>
             </a:r>
           </a:p>
         </p:txBody>
@@ -8059,8 +8092,8 @@
         </p:blipFill>
         <p:spPr bwMode="auto">
           <a:xfrm>
-            <a:off x="603848" y="933061"/>
-            <a:ext cx="11003433" cy="5312163"/>
+            <a:off x="1903444" y="1968759"/>
+            <a:ext cx="8630817" cy="4105470"/>
           </a:xfrm>
           <a:prstGeom prst="rect">
             <a:avLst/>
@@ -8133,7 +8166,7 @@
                   <a:srgbClr val="FF0000"/>
                 </a:solidFill>
               </a:rPr>
-              <a:t>Introduction</a:t>
+              <a:t>Introduction:</a:t>
             </a:r>
             <a:endParaRPr lang="en-IN" sz="2800" dirty="0"/>
           </a:p>
@@ -8474,8 +8507,8 @@
         </p:blipFill>
         <p:spPr bwMode="auto">
           <a:xfrm>
-            <a:off x="621102" y="1168579"/>
-            <a:ext cx="11041811" cy="5076645"/>
+            <a:off x="621102" y="1752600"/>
+            <a:ext cx="11041813" cy="4492624"/>
           </a:xfrm>
           <a:prstGeom prst="rect">
             <a:avLst/>
@@ -8506,8 +8539,8 @@
         </p:nvSpPr>
         <p:spPr>
           <a:xfrm>
-            <a:off x="621102" y="481490"/>
-            <a:ext cx="3523051" cy="461665"/>
+            <a:off x="755651" y="942401"/>
+            <a:ext cx="5813100" cy="677108"/>
           </a:xfrm>
           <a:prstGeom prst="rect">
             <a:avLst/>
@@ -8521,14 +8554,19 @@
           <a:lstStyle/>
           <a:p>
             <a:r>
-              <a:rPr lang="en-US" sz="2400" b="1" dirty="0">
+              <a:rPr lang="en-US" sz="3800" b="1" dirty="0">
                 <a:solidFill>
                   <a:srgbClr val="FF0000"/>
                 </a:solidFill>
+                <a:latin typeface="+mj-lt"/>
+                <a:cs typeface="Times New Roman" panose="02020603050405020304" pitchFamily="18" charset="0"/>
               </a:rPr>
-              <a:t>Sequence Diagram</a:t>
-            </a:r>
-            <a:endParaRPr lang="en-IN" sz="2400" dirty="0"/>
+              <a:t>Sequence Diagram :</a:t>
+            </a:r>
+            <a:endParaRPr lang="en-IN" sz="3800" dirty="0">
+              <a:latin typeface="+mj-lt"/>
+              <a:cs typeface="Times New Roman" panose="02020603050405020304" pitchFamily="18" charset="0"/>
+            </a:endParaRPr>
           </a:p>
         </p:txBody>
       </p:sp>
@@ -8588,8 +8626,9 @@
                 <a:solidFill>
                   <a:srgbClr val="FF0000"/>
                 </a:solidFill>
+                <a:cs typeface="Times New Roman" panose="02020603050405020304" pitchFamily="18" charset="0"/>
               </a:rPr>
-              <a:t>UML Diagram</a:t>
+              <a:t>Class Diagram :</a:t>
             </a:r>
           </a:p>
         </p:txBody>
@@ -8791,7 +8830,7 @@
                   <a:srgbClr val="FF0000"/>
                 </a:solidFill>
               </a:rPr>
-              <a:t>Conclusion</a:t>
+              <a:t>Conclusion :</a:t>
             </a:r>
           </a:p>
         </p:txBody>
@@ -8817,51 +8856,22 @@
           <a:bodyPr/>
           <a:lstStyle/>
           <a:p>
-            <a:r>
-              <a:rPr lang="en-US" sz="1800" dirty="0"/>
-              <a:t>The Book Recommendation System is designed with modular components to ensure scalability, security, and user-friendly interactions. The </a:t>
-            </a:r>
-            <a:r>
-              <a:rPr lang="en-US" sz="1800" b="1" dirty="0"/>
-              <a:t>User Management</a:t>
-            </a:r>
-            <a:r>
-              <a:rPr lang="en-US" sz="1800" dirty="0"/>
-              <a:t> module handles authentication and profile management, while the </a:t>
-            </a:r>
-            <a:r>
-              <a:rPr lang="en-US" sz="1800" b="1" dirty="0"/>
-              <a:t>Book Recommendation</a:t>
-            </a:r>
-            <a:r>
-              <a:rPr lang="en-US" sz="1800" dirty="0"/>
-              <a:t> module filters books based on user preferences. The </a:t>
-            </a:r>
-            <a:r>
-              <a:rPr lang="en-US" sz="1800" b="1" dirty="0"/>
-              <a:t>Admin Management</a:t>
-            </a:r>
-            <a:r>
-              <a:rPr lang="en-US" sz="1800" dirty="0"/>
-              <a:t> module allows for efficient monitoring of users and books. The system also incorporates secure </a:t>
-            </a:r>
-            <a:r>
-              <a:rPr lang="en-US" sz="1800" b="1" dirty="0"/>
-              <a:t>Authentication</a:t>
-            </a:r>
-            <a:r>
-              <a:rPr lang="en-US" sz="1800" dirty="0"/>
-              <a:t> to protect user data and a smooth </a:t>
-            </a:r>
-            <a:r>
-              <a:rPr lang="en-US" sz="1800" b="1" dirty="0"/>
-              <a:t>Frontend UI</a:t>
-            </a:r>
-            <a:r>
-              <a:rPr lang="en-US" sz="1800" dirty="0"/>
-              <a:t> for easy navigation. This modular design allows for future scalability, such as adding new features like ratings or reviews, and ensures smooth collaboration among developers, enhancing productivity and system flexibility.</a:t>
-            </a:r>
-            <a:endParaRPr lang="en-IN" sz="1800" dirty="0"/>
+            <a:pPr>
+              <a:lnSpc>
+                <a:spcPct val="150000"/>
+              </a:lnSpc>
+            </a:pPr>
+            <a:r>
+              <a:rPr lang="en-US" sz="2000" dirty="0">
+                <a:latin typeface="Times New Roman" panose="02020603050405020304" pitchFamily="18" charset="0"/>
+                <a:cs typeface="Times New Roman" panose="02020603050405020304" pitchFamily="18" charset="0"/>
+              </a:rPr>
+              <a:t>In conclusion, the book recommendation software offers a tailored reading experience by considering individual preferences such as time constraints and narrative styles. With its user-friendly interface, the system helps users discover books that align with their interests, providing curated recommendations from a vast library. By allowing users to create personalized reading lists and offering detailed summaries and ratings, the software enhances the book selection process, making it easier and more enjoyable for readers to find their next great read. This project aims to improve user satisfaction and engagement in discovering books based on their unique preferences.</a:t>
+            </a:r>
+            <a:endParaRPr lang="en-IN" sz="2000" dirty="0">
+              <a:latin typeface="Times New Roman" panose="02020603050405020304" pitchFamily="18" charset="0"/>
+              <a:cs typeface="Times New Roman" panose="02020603050405020304" pitchFamily="18" charset="0"/>
+            </a:endParaRPr>
           </a:p>
         </p:txBody>
       </p:sp>
@@ -9019,7 +9029,7 @@
                   <a:srgbClr val="FF0000"/>
                 </a:solidFill>
               </a:rPr>
-              <a:t>References</a:t>
+              <a:t>References :</a:t>
             </a:r>
           </a:p>
         </p:txBody>
@@ -9636,7 +9646,7 @@
                   <a:srgbClr val="FF0000"/>
                 </a:solidFill>
               </a:rPr>
-              <a:t>Existing Systems</a:t>
+              <a:t>Existing Systems:</a:t>
             </a:r>
             <a:endParaRPr lang="en-IN" sz="2800" dirty="0"/>
           </a:p>
@@ -9989,7 +9999,7 @@
         </p:nvSpPr>
         <p:spPr>
           <a:xfrm>
-            <a:off x="656949" y="196513"/>
+            <a:off x="755651" y="206116"/>
             <a:ext cx="11638624" cy="1216025"/>
           </a:xfrm>
         </p:spPr>
@@ -10003,7 +10013,7 @@
                   <a:srgbClr val="FF0000"/>
                 </a:solidFill>
               </a:rPr>
-              <a:t>Advantages and Disadvantages of Existing System</a:t>
+              <a:t>Advantages and Disadvantages of Existing System:</a:t>
             </a:r>
             <a:endParaRPr lang="en-IN" sz="2800" dirty="0"/>
           </a:p>
@@ -10022,12 +10032,202 @@
         <p:spPr>
           <a:xfrm>
             <a:off x="755651" y="1632279"/>
-            <a:ext cx="11312023" cy="2987843"/>
+            <a:ext cx="11312023" cy="4441950"/>
           </a:xfrm>
         </p:spPr>
         <p:txBody>
           <a:bodyPr/>
           <a:lstStyle/>
+          <a:p>
+            <a:pPr>
+              <a:lnSpc>
+                <a:spcPct val="150000"/>
+              </a:lnSpc>
+            </a:pPr>
+            <a:r>
+              <a:rPr lang="en-US" sz="2000" b="1" dirty="0"/>
+              <a:t>Advantages of Existing System:</a:t>
+            </a:r>
+          </a:p>
+          <a:p>
+            <a:pPr>
+              <a:lnSpc>
+                <a:spcPct val="150000"/>
+              </a:lnSpc>
+              <a:buFont typeface="Arial" panose="020B0604020202020204" pitchFamily="34" charset="0"/>
+              <a:buChar char="•"/>
+            </a:pPr>
+            <a:r>
+              <a:rPr lang="en-US" sz="1800" dirty="0"/>
+              <a:t>Users are familiar with the interface and operation of the system.</a:t>
+            </a:r>
+          </a:p>
+          <a:p>
+            <a:pPr>
+              <a:lnSpc>
+                <a:spcPct val="150000"/>
+              </a:lnSpc>
+              <a:buFont typeface="Arial" panose="020B0604020202020204" pitchFamily="34" charset="0"/>
+              <a:buChar char="•"/>
+            </a:pPr>
+            <a:r>
+              <a:rPr lang="en-US" sz="1800" dirty="0"/>
+              <a:t>The system has an existing user base, leading to more data for personalized recommendations.</a:t>
+            </a:r>
+          </a:p>
+          <a:p>
+            <a:pPr>
+              <a:lnSpc>
+                <a:spcPct val="150000"/>
+              </a:lnSpc>
+              <a:buFont typeface="Arial" panose="020B0604020202020204" pitchFamily="34" charset="0"/>
+              <a:buChar char="•"/>
+            </a:pPr>
+            <a:r>
+              <a:rPr lang="en-US" sz="1800" dirty="0"/>
+              <a:t>The system suggests books or items based on user preferences, improving engagement.</a:t>
+            </a:r>
+          </a:p>
+          <a:p>
+            <a:pPr marL="469900" marR="0" lvl="0" indent="-469900" algn="l" defTabSz="914400" rtl="0" eaLnBrk="0" fontAlgn="base" latinLnBrk="0" hangingPunct="0">
+              <a:lnSpc>
+                <a:spcPct val="150000"/>
+              </a:lnSpc>
+              <a:spcBef>
+                <a:spcPct val="20000"/>
+              </a:spcBef>
+              <a:spcAft>
+                <a:spcPct val="0"/>
+              </a:spcAft>
+              <a:buClr>
+                <a:srgbClr val="CC0000"/>
+              </a:buClr>
+              <a:buSzTx/>
+              <a:buFont typeface="Wingdings" panose="05000000000000000000" pitchFamily="2" charset="2"/>
+              <a:buChar char="o"/>
+              <a:tabLst/>
+              <a:defRPr/>
+            </a:pPr>
+            <a:r>
+              <a:rPr lang="en-US" sz="2000" b="1" dirty="0" err="1">
+                <a:solidFill>
+                  <a:srgbClr val="000000"/>
+                </a:solidFill>
+                <a:latin typeface="Verdana"/>
+              </a:rPr>
+              <a:t>Disa</a:t>
+            </a:r>
+            <a:r>
+              <a:rPr kumimoji="0" lang="en-US" sz="2000" b="1" i="0" u="none" strike="noStrike" kern="0" cap="none" spc="0" normalizeH="0" baseline="0" noProof="0" dirty="0" err="1">
+                <a:ln>
+                  <a:noFill/>
+                </a:ln>
+                <a:solidFill>
+                  <a:srgbClr val="000000"/>
+                </a:solidFill>
+                <a:effectLst/>
+                <a:uLnTx/>
+                <a:uFillTx/>
+                <a:latin typeface="Verdana"/>
+                <a:ea typeface="+mn-ea"/>
+                <a:cs typeface="+mn-cs"/>
+              </a:rPr>
+              <a:t>dvantages</a:t>
+            </a:r>
+            <a:r>
+              <a:rPr kumimoji="0" lang="en-US" sz="2000" b="1" i="0" u="none" strike="noStrike" kern="0" cap="none" spc="0" normalizeH="0" baseline="0" noProof="0" dirty="0">
+                <a:ln>
+                  <a:noFill/>
+                </a:ln>
+                <a:solidFill>
+                  <a:srgbClr val="000000"/>
+                </a:solidFill>
+                <a:effectLst/>
+                <a:uLnTx/>
+                <a:uFillTx/>
+                <a:latin typeface="Verdana"/>
+                <a:ea typeface="+mn-ea"/>
+                <a:cs typeface="+mn-cs"/>
+              </a:rPr>
+              <a:t> of Existing System:</a:t>
+            </a:r>
+          </a:p>
+          <a:p>
+            <a:pPr marL="469900" marR="0" lvl="0" indent="-469900" algn="l" defTabSz="914400" rtl="0" eaLnBrk="0" fontAlgn="base" latinLnBrk="0" hangingPunct="0">
+              <a:lnSpc>
+                <a:spcPct val="150000"/>
+              </a:lnSpc>
+              <a:spcBef>
+                <a:spcPct val="20000"/>
+              </a:spcBef>
+              <a:spcAft>
+                <a:spcPct val="0"/>
+              </a:spcAft>
+              <a:buClr>
+                <a:srgbClr val="CC0000"/>
+              </a:buClr>
+              <a:buSzTx/>
+              <a:buFont typeface="Arial" panose="020B0604020202020204" pitchFamily="34" charset="0"/>
+              <a:buChar char="•"/>
+              <a:tabLst/>
+              <a:defRPr/>
+            </a:pPr>
+            <a:r>
+              <a:rPr kumimoji="0" lang="en-US" sz="1800" b="0" i="0" u="none" strike="noStrike" kern="0" cap="none" spc="0" normalizeH="0" baseline="0" noProof="0" dirty="0">
+                <a:ln>
+                  <a:noFill/>
+                </a:ln>
+                <a:solidFill>
+                  <a:srgbClr val="000000"/>
+                </a:solidFill>
+                <a:effectLst/>
+                <a:uLnTx/>
+                <a:uFillTx/>
+                <a:latin typeface="Verdana"/>
+                <a:ea typeface="+mn-ea"/>
+                <a:cs typeface="+mn-cs"/>
+              </a:rPr>
+              <a:t>Hybrid systems are harder to implement and require more computational resources.</a:t>
+            </a:r>
+          </a:p>
+          <a:p>
+            <a:pPr marL="469900" marR="0" lvl="0" indent="-469900" algn="l" defTabSz="914400" rtl="0" eaLnBrk="0" fontAlgn="base" latinLnBrk="0" hangingPunct="0">
+              <a:lnSpc>
+                <a:spcPct val="150000"/>
+              </a:lnSpc>
+              <a:spcBef>
+                <a:spcPct val="20000"/>
+              </a:spcBef>
+              <a:spcAft>
+                <a:spcPct val="0"/>
+              </a:spcAft>
+              <a:buClr>
+                <a:srgbClr val="CC0000"/>
+              </a:buClr>
+              <a:buSzTx/>
+              <a:buFont typeface="Arial" panose="020B0604020202020204" pitchFamily="34" charset="0"/>
+              <a:buChar char="•"/>
+              <a:tabLst/>
+              <a:defRPr/>
+            </a:pPr>
+            <a:r>
+              <a:rPr kumimoji="0" lang="en-US" sz="1800" b="0" i="0" u="none" strike="noStrike" kern="0" cap="none" spc="0" normalizeH="0" baseline="0" noProof="0" dirty="0">
+                <a:ln>
+                  <a:noFill/>
+                </a:ln>
+                <a:solidFill>
+                  <a:srgbClr val="000000"/>
+                </a:solidFill>
+                <a:effectLst/>
+                <a:uLnTx/>
+                <a:uFillTx/>
+                <a:latin typeface="Verdana"/>
+                <a:ea typeface="+mn-ea"/>
+                <a:cs typeface="+mn-cs"/>
+              </a:rPr>
+              <a:t>All systems require large and detailed datasets for effective performance. Sparse or incomplete data can lead to inaccurate recommendations.</a:t>
+            </a:r>
+          </a:p>
           <a:p>
             <a:pPr marL="0" marR="0" lvl="0" indent="0" algn="l" defTabSz="914400" rtl="0" eaLnBrk="0" fontAlgn="base" latinLnBrk="0" hangingPunct="0">
               <a:lnSpc>
@@ -10044,85 +10244,10 @@
               </a:buClr>
               <a:buSzTx/>
               <a:buNone/>
-              <a:defRPr/>
-            </a:pPr>
-            <a:r>
-              <a:rPr lang="en-IN" altLang="en-US" sz="2200" b="1" dirty="0">
-                <a:solidFill>
-                  <a:srgbClr val="000000"/>
-                </a:solidFill>
-                <a:latin typeface="Times New Roman" panose="02020603050405020304" pitchFamily="18" charset="0"/>
-                <a:cs typeface="Times New Roman" panose="02020603050405020304" pitchFamily="18" charset="0"/>
-              </a:rPr>
-              <a:t>Limitations of Existing System:</a:t>
-            </a:r>
-          </a:p>
-          <a:p>
-            <a:pPr>
-              <a:buClr>
-                <a:srgbClr val="CC0000"/>
-              </a:buClr>
-              <a:defRPr/>
-            </a:pPr>
-            <a:r>
-              <a:rPr lang="en-US" sz="2000" b="1" dirty="0">
-                <a:latin typeface="Times New Roman" panose="02020603050405020304" pitchFamily="18" charset="0"/>
-                <a:cs typeface="Times New Roman" panose="02020603050405020304" pitchFamily="18" charset="0"/>
-              </a:rPr>
-              <a:t>One-Size-Fits-All</a:t>
-            </a:r>
-            <a:r>
-              <a:rPr lang="en-US" sz="2000" dirty="0">
-                <a:latin typeface="Times New Roman" panose="02020603050405020304" pitchFamily="18" charset="0"/>
-                <a:cs typeface="Times New Roman" panose="02020603050405020304" pitchFamily="18" charset="0"/>
-              </a:rPr>
-              <a:t>: Most systems don’t account for individual constraints like available reading time or specific narrative preferences.</a:t>
-            </a:r>
-          </a:p>
-          <a:p>
-            <a:pPr>
-              <a:buClr>
-                <a:srgbClr val="CC0000"/>
-              </a:buClr>
-              <a:defRPr/>
-            </a:pPr>
-            <a:r>
-              <a:rPr lang="en-US" sz="2000" b="1" dirty="0">
-                <a:latin typeface="Times New Roman" panose="02020603050405020304" pitchFamily="18" charset="0"/>
-                <a:cs typeface="Times New Roman" panose="02020603050405020304" pitchFamily="18" charset="0"/>
-              </a:rPr>
-              <a:t>Overwhelming Choices</a:t>
-            </a:r>
-            <a:r>
-              <a:rPr lang="en-US" sz="2000" dirty="0">
-                <a:latin typeface="Times New Roman" panose="02020603050405020304" pitchFamily="18" charset="0"/>
-                <a:cs typeface="Times New Roman" panose="02020603050405020304" pitchFamily="18" charset="0"/>
-              </a:rPr>
-              <a:t>: Users can be overwhelmed with options, leading to decision fatigue.</a:t>
-            </a:r>
-          </a:p>
-          <a:p>
-            <a:pPr>
-              <a:buClr>
-                <a:srgbClr val="CC0000"/>
-              </a:buClr>
-              <a:defRPr/>
-            </a:pPr>
-            <a:r>
-              <a:rPr lang="en-US" sz="2000" b="1" dirty="0">
-                <a:latin typeface="Times New Roman" panose="02020603050405020304" pitchFamily="18" charset="0"/>
-                <a:cs typeface="Times New Roman" panose="02020603050405020304" pitchFamily="18" charset="0"/>
-              </a:rPr>
-              <a:t>Limited Customization</a:t>
-            </a:r>
-            <a:r>
-              <a:rPr lang="en-US" sz="2000" dirty="0">
-                <a:latin typeface="Times New Roman" panose="02020603050405020304" pitchFamily="18" charset="0"/>
-                <a:cs typeface="Times New Roman" panose="02020603050405020304" pitchFamily="18" charset="0"/>
-              </a:rPr>
-              <a:t>: Many systems do not allow for fine-tuning of recommendations based on multiple, nuanced factors.</a:t>
-            </a:r>
-            <a:endParaRPr kumimoji="0" lang="en-IN" altLang="en-US" sz="2800" b="0" i="0" u="none" strike="noStrike" kern="0" cap="none" spc="0" normalizeH="0" baseline="0" noProof="0" dirty="0">
+              <a:tabLst/>
+              <a:defRPr/>
+            </a:pPr>
+            <a:endParaRPr kumimoji="0" lang="en-US" sz="2000" b="1" i="0" u="none" strike="noStrike" kern="0" cap="none" spc="0" normalizeH="0" baseline="0" noProof="0" dirty="0">
               <a:ln>
                 <a:noFill/>
               </a:ln>
@@ -10132,7 +10257,77 @@
               <a:effectLst/>
               <a:uLnTx/>
               <a:uFillTx/>
-              <a:latin typeface="Verdana" panose="020B0604030504040204"/>
+              <a:latin typeface="Verdana"/>
+              <a:ea typeface="+mn-ea"/>
+              <a:cs typeface="+mn-cs"/>
+            </a:endParaRPr>
+          </a:p>
+          <a:p>
+            <a:pPr marL="469900" marR="0" lvl="0" indent="-469900" algn="l" defTabSz="914400" rtl="0" eaLnBrk="0" fontAlgn="base" latinLnBrk="0" hangingPunct="0">
+              <a:lnSpc>
+                <a:spcPct val="100000"/>
+              </a:lnSpc>
+              <a:spcBef>
+                <a:spcPct val="20000"/>
+              </a:spcBef>
+              <a:spcAft>
+                <a:spcPct val="0"/>
+              </a:spcAft>
+              <a:buClr>
+                <a:srgbClr val="CC0000"/>
+              </a:buClr>
+              <a:buSzTx/>
+              <a:buFont typeface="Wingdings" panose="05000000000000000000" pitchFamily="2" charset="2"/>
+              <a:buChar char="o"/>
+              <a:tabLst/>
+              <a:defRPr/>
+            </a:pPr>
+            <a:endParaRPr kumimoji="0" lang="en-US" sz="2000" b="1" i="0" u="none" strike="noStrike" kern="0" cap="none" spc="0" normalizeH="0" baseline="0" noProof="0" dirty="0">
+              <a:ln>
+                <a:noFill/>
+              </a:ln>
+              <a:solidFill>
+                <a:srgbClr val="000000"/>
+              </a:solidFill>
+              <a:effectLst/>
+              <a:uLnTx/>
+              <a:uFillTx/>
+              <a:latin typeface="Verdana"/>
+              <a:ea typeface="+mn-ea"/>
+              <a:cs typeface="+mn-cs"/>
+            </a:endParaRPr>
+          </a:p>
+          <a:p>
+            <a:pPr marL="469900" marR="0" lvl="0" indent="-469900" algn="l" defTabSz="914400" rtl="0" eaLnBrk="0" fontAlgn="base" latinLnBrk="0" hangingPunct="0">
+              <a:lnSpc>
+                <a:spcPct val="100000"/>
+              </a:lnSpc>
+              <a:spcBef>
+                <a:spcPct val="20000"/>
+              </a:spcBef>
+              <a:spcAft>
+                <a:spcPct val="0"/>
+              </a:spcAft>
+              <a:buClr>
+                <a:srgbClr val="CC0000"/>
+              </a:buClr>
+              <a:buSzTx/>
+              <a:buFont typeface="Wingdings" panose="05000000000000000000" pitchFamily="2" charset="2"/>
+              <a:buChar char="o"/>
+              <a:tabLst/>
+              <a:defRPr/>
+            </a:pPr>
+            <a:endParaRPr kumimoji="0" lang="en-US" sz="2000" b="1" i="0" u="none" strike="noStrike" kern="0" cap="none" spc="0" normalizeH="0" baseline="0" noProof="0" dirty="0">
+              <a:ln>
+                <a:noFill/>
+              </a:ln>
+              <a:solidFill>
+                <a:srgbClr val="000000"/>
+              </a:solidFill>
+              <a:effectLst/>
+              <a:uLnTx/>
+              <a:uFillTx/>
+              <a:latin typeface="Verdana"/>
               <a:ea typeface="+mn-ea"/>
               <a:cs typeface="+mn-cs"/>
             </a:endParaRPr>
@@ -10218,6 +10413,408 @@
           </a:p>
         </p:txBody>
       </p:sp>
+    </p:spTree>
+  </p:cSld>
+  <p:clrMapOvr>
+    <a:overrideClrMapping bg1="lt1" tx1="dk1" bg2="lt2" tx2="dk2" accent1="accent1" accent2="accent2" accent3="accent3" accent4="accent4" accent5="accent5" accent6="accent6" hlink="hlink" folHlink="folHlink"/>
+  </p:clrMapOvr>
+</p:sld>
+</file>
+
+<file path=ppt/slides/slide5.xml><?xml version="1.0" encoding="utf-8"?>
+<p:sld xmlns:a="http://schemas.openxmlformats.org/drawingml/2006/main" xmlns:r="http://schemas.openxmlformats.org/officeDocument/2006/relationships" xmlns:p="http://schemas.openxmlformats.org/presentationml/2006/main">
+  <p:cSld>
+    <p:spTree>
+      <p:nvGrpSpPr>
+        <p:cNvPr id="1" name=""/>
+        <p:cNvGrpSpPr/>
+        <p:nvPr/>
+      </p:nvGrpSpPr>
+      <p:grpSpPr>
+        <a:xfrm>
+          <a:off x="0" y="0"/>
+          <a:ext cx="0" cy="0"/>
+          <a:chOff x="0" y="0"/>
+          <a:chExt cx="0" cy="0"/>
+        </a:xfrm>
+      </p:grpSpPr>
+      <p:sp>
+        <p:nvSpPr>
+          <p:cNvPr id="2" name="Title 1"/>
+          <p:cNvSpPr>
+            <a:spLocks noGrp="1"/>
+          </p:cNvSpPr>
+          <p:nvPr>
+            <p:ph type="title"/>
+          </p:nvPr>
+        </p:nvSpPr>
+        <p:spPr>
+          <a:xfrm>
+            <a:off x="577049" y="304801"/>
+            <a:ext cx="10857184" cy="1216025"/>
+          </a:xfrm>
+        </p:spPr>
+        <p:txBody>
+          <a:bodyPr/>
+          <a:lstStyle/>
+          <a:p>
+            <a:r>
+              <a:rPr lang="en-US" dirty="0"/>
+              <a:t> </a:t>
+            </a:r>
+            <a:r>
+              <a:rPr lang="en-US" sz="3200" b="1" dirty="0">
+                <a:solidFill>
+                  <a:srgbClr val="FF0000"/>
+                </a:solidFill>
+              </a:rPr>
+              <a:t>Proposed System: </a:t>
+            </a:r>
+          </a:p>
+        </p:txBody>
+      </p:sp>
+      <p:sp>
+        <p:nvSpPr>
+          <p:cNvPr id="3" name="Content Placeholder 2"/>
+          <p:cNvSpPr>
+            <a:spLocks noGrp="1"/>
+          </p:cNvSpPr>
+          <p:nvPr>
+            <p:ph idx="1"/>
+          </p:nvPr>
+        </p:nvSpPr>
+        <p:spPr/>
+        <p:txBody>
+          <a:bodyPr/>
+          <a:lstStyle/>
+          <a:p>
+            <a:pPr marL="0" indent="0" algn="just">
+              <a:buNone/>
+            </a:pPr>
+            <a:r>
+              <a:rPr lang="en-US" sz="2000" dirty="0">
+                <a:latin typeface="Times New Roman" panose="02020603050405020304" pitchFamily="18" charset="0"/>
+                <a:cs typeface="Times New Roman" panose="02020603050405020304" pitchFamily="18" charset="0"/>
+              </a:rPr>
+              <a:t>The proposed book recommendation software aims to address the limitations of existing book recommendation systems.</a:t>
+            </a:r>
+          </a:p>
+          <a:p>
+            <a:pPr algn="just">
+              <a:buFont typeface="Wingdings" panose="05000000000000000000" pitchFamily="2" charset="2"/>
+              <a:buChar char="q"/>
+            </a:pPr>
+            <a:r>
+              <a:rPr lang="en-US" sz="2000" b="1" dirty="0">
+                <a:latin typeface="Times New Roman" panose="02020603050405020304" pitchFamily="18" charset="0"/>
+                <a:cs typeface="Times New Roman" panose="02020603050405020304" pitchFamily="18" charset="0"/>
+              </a:rPr>
+              <a:t>Narrative Style Matching:</a:t>
+            </a:r>
+            <a:r>
+              <a:rPr lang="en-US" sz="2000" dirty="0">
+                <a:latin typeface="Times New Roman" panose="02020603050405020304" pitchFamily="18" charset="0"/>
+                <a:cs typeface="Times New Roman" panose="02020603050405020304" pitchFamily="18" charset="0"/>
+              </a:rPr>
+              <a:t> </a:t>
+            </a:r>
+          </a:p>
+          <a:p>
+            <a:pPr marL="0" indent="0" algn="just">
+              <a:buNone/>
+            </a:pPr>
+            <a:r>
+              <a:rPr lang="en-US" sz="2000" dirty="0">
+                <a:latin typeface="Times New Roman" panose="02020603050405020304" pitchFamily="18" charset="0"/>
+                <a:cs typeface="Times New Roman" panose="02020603050405020304" pitchFamily="18" charset="0"/>
+              </a:rPr>
+              <a:t>             Matches users with books based on their preferred narrative style, such as character-driven vs. plot-driven,  for a more personalized reading experience.</a:t>
+            </a:r>
+          </a:p>
+          <a:p>
+            <a:pPr marL="0" indent="0" algn="just">
+              <a:buNone/>
+            </a:pPr>
+            <a:endParaRPr lang="en-US" sz="2000" dirty="0">
+              <a:latin typeface="Times New Roman" panose="02020603050405020304" pitchFamily="18" charset="0"/>
+              <a:cs typeface="Times New Roman" panose="02020603050405020304" pitchFamily="18" charset="0"/>
+            </a:endParaRPr>
+          </a:p>
+          <a:p>
+            <a:pPr algn="just">
+              <a:buFont typeface="Wingdings" panose="05000000000000000000" pitchFamily="2" charset="2"/>
+              <a:buChar char="q"/>
+            </a:pPr>
+            <a:r>
+              <a:rPr lang="en-US" sz="2000" b="1" dirty="0">
+                <a:latin typeface="Times New Roman" panose="02020603050405020304" pitchFamily="18" charset="0"/>
+                <a:cs typeface="Times New Roman" panose="02020603050405020304" pitchFamily="18" charset="0"/>
+              </a:rPr>
+              <a:t>Time Commitment Suggestions:</a:t>
+            </a:r>
+          </a:p>
+          <a:p>
+            <a:pPr marL="0" indent="0" algn="just">
+              <a:buNone/>
+            </a:pPr>
+            <a:r>
+              <a:rPr lang="en-US" sz="2000" b="1" dirty="0">
+                <a:latin typeface="Times New Roman" panose="02020603050405020304" pitchFamily="18" charset="0"/>
+                <a:cs typeface="Times New Roman" panose="02020603050405020304" pitchFamily="18" charset="0"/>
+              </a:rPr>
+              <a:t>             </a:t>
+            </a:r>
+            <a:r>
+              <a:rPr lang="en-US" sz="2000" dirty="0">
+                <a:latin typeface="Times New Roman" panose="02020603050405020304" pitchFamily="18" charset="0"/>
+                <a:cs typeface="Times New Roman" panose="02020603050405020304" pitchFamily="18" charset="0"/>
+              </a:rPr>
+              <a:t>Offers book recommendations based on the time users have available to read, suggesting books categorized as Short, Medium, or Long, depending on the time the user can commit to reading.</a:t>
+            </a:r>
+          </a:p>
+          <a:p>
+            <a:pPr algn="just">
+              <a:buFont typeface="Wingdings" panose="05000000000000000000" pitchFamily="2" charset="2"/>
+              <a:buChar char="q"/>
+            </a:pPr>
+            <a:r>
+              <a:rPr lang="en-US" sz="2000" b="1" dirty="0">
+                <a:latin typeface="Times New Roman" panose="02020603050405020304" pitchFamily="18" charset="0"/>
+                <a:cs typeface="Times New Roman" panose="02020603050405020304" pitchFamily="18" charset="0"/>
+              </a:rPr>
+              <a:t>Genre-Based Recommendations:</a:t>
+            </a:r>
+          </a:p>
+          <a:p>
+            <a:pPr marL="0" indent="0" algn="just">
+              <a:buNone/>
+            </a:pPr>
+            <a:r>
+              <a:rPr lang="en-US" sz="2000" b="1" dirty="0">
+                <a:latin typeface="Times New Roman" panose="02020603050405020304" pitchFamily="18" charset="0"/>
+                <a:cs typeface="Times New Roman" panose="02020603050405020304" pitchFamily="18" charset="0"/>
+              </a:rPr>
+              <a:t>             </a:t>
+            </a:r>
+            <a:r>
+              <a:rPr lang="en-US" sz="2000" dirty="0">
+                <a:latin typeface="Times New Roman" panose="02020603050405020304" pitchFamily="18" charset="0"/>
+                <a:cs typeface="Times New Roman" panose="02020603050405020304" pitchFamily="18" charset="0"/>
+              </a:rPr>
+              <a:t>Recommends books within the user’s preferred genre, such as Sci-Fi or Romance etc..</a:t>
+            </a:r>
+            <a:endParaRPr lang="en-US" sz="1600" dirty="0">
+              <a:latin typeface="Times New Roman" panose="02020603050405020304" pitchFamily="18" charset="0"/>
+              <a:cs typeface="Times New Roman" panose="02020603050405020304" pitchFamily="18" charset="0"/>
+            </a:endParaRPr>
+          </a:p>
+        </p:txBody>
+      </p:sp>
+      <p:sp>
+        <p:nvSpPr>
+          <p:cNvPr id="4" name="Date Placeholder 3"/>
+          <p:cNvSpPr>
+            <a:spLocks noGrp="1"/>
+          </p:cNvSpPr>
+          <p:nvPr>
+            <p:ph type="dt" sz="half" idx="10"/>
+          </p:nvPr>
+        </p:nvSpPr>
+        <p:spPr/>
+        <p:txBody>
+          <a:bodyPr/>
+          <a:lstStyle/>
+          <a:p>
+            <a:pPr>
+              <a:defRPr/>
+            </a:pPr>
+            <a:endParaRPr lang="en-US" dirty="0"/>
+          </a:p>
+        </p:txBody>
+      </p:sp>
+      <p:sp>
+        <p:nvSpPr>
+          <p:cNvPr id="5" name="Footer Placeholder 4"/>
+          <p:cNvSpPr>
+            <a:spLocks noGrp="1"/>
+          </p:cNvSpPr>
+          <p:nvPr>
+            <p:ph type="ftr" sz="quarter" idx="11"/>
+          </p:nvPr>
+        </p:nvSpPr>
+        <p:spPr/>
+        <p:txBody>
+          <a:bodyPr/>
+          <a:lstStyle/>
+          <a:p>
+            <a:pPr>
+              <a:defRPr/>
+            </a:pPr>
+            <a:r>
+              <a:rPr lang="en-US"/>
+              <a:t>Department of Artificial Intelligence and Data Science</a:t>
+            </a:r>
+          </a:p>
+        </p:txBody>
+      </p:sp>
+      <p:sp>
+        <p:nvSpPr>
+          <p:cNvPr id="6" name="Slide Number Placeholder 5"/>
+          <p:cNvSpPr>
+            <a:spLocks noGrp="1"/>
+          </p:cNvSpPr>
+          <p:nvPr>
+            <p:ph type="sldNum" sz="quarter" idx="12"/>
+          </p:nvPr>
+        </p:nvSpPr>
+        <p:spPr/>
+        <p:txBody>
+          <a:bodyPr/>
+          <a:lstStyle/>
+          <a:p>
+            <a:pPr>
+              <a:defRPr/>
+            </a:pPr>
+            <a:fld id="{BDC2143B-610F-499C-A392-DFFBE135A7B2}" type="slidenum">
+              <a:rPr lang="en-US" altLang="en-US" smtClean="0"/>
+              <a:t>5</a:t>
+            </a:fld>
+            <a:endParaRPr lang="en-US" altLang="en-US"/>
+          </a:p>
+        </p:txBody>
+      </p:sp>
+    </p:spTree>
+  </p:cSld>
+  <p:clrMapOvr>
+    <a:masterClrMapping/>
+  </p:clrMapOvr>
+</p:sld>
+</file>
+
+<file path=ppt/slides/slide6.xml><?xml version="1.0" encoding="utf-8"?>
+<p:sld xmlns:a="http://schemas.openxmlformats.org/drawingml/2006/main" xmlns:r="http://schemas.openxmlformats.org/officeDocument/2006/relationships" xmlns:p="http://schemas.openxmlformats.org/presentationml/2006/main">
+  <p:cSld>
+    <p:bg>
+      <p:bgPr>
+        <a:blipFill dpi="0" rotWithShape="0">
+          <a:blip r:embed="rId4"/>
+          <a:srcRect/>
+          <a:tile tx="0" ty="0" sx="100000" sy="100000" flip="none" algn="tl"/>
+        </a:blipFill>
+        <a:effectLst/>
+      </p:bgPr>
+    </p:bg>
+    <p:spTree>
+      <p:nvGrpSpPr>
+        <p:cNvPr id="1" name=""/>
+        <p:cNvGrpSpPr/>
+        <p:nvPr/>
+      </p:nvGrpSpPr>
+      <p:grpSpPr>
+        <a:xfrm>
+          <a:off x="0" y="0"/>
+          <a:ext cx="0" cy="0"/>
+          <a:chOff x="0" y="0"/>
+          <a:chExt cx="0" cy="0"/>
+        </a:xfrm>
+      </p:grpSpPr>
+      <p:sp>
+        <p:nvSpPr>
+          <p:cNvPr id="2" name="Title 1"/>
+          <p:cNvSpPr>
+            <a:spLocks noGrp="1"/>
+          </p:cNvSpPr>
+          <p:nvPr>
+            <p:ph type="title"/>
+          </p:nvPr>
+        </p:nvSpPr>
+        <p:spPr>
+          <a:xfrm>
+            <a:off x="656949" y="304801"/>
+            <a:ext cx="11638624" cy="1216025"/>
+          </a:xfrm>
+        </p:spPr>
+        <p:txBody>
+          <a:bodyPr/>
+          <a:lstStyle/>
+          <a:p>
+            <a:r>
+              <a:rPr lang="en-IN" altLang="en-US" sz="3200" b="1" dirty="0">
+                <a:solidFill>
+                  <a:srgbClr val="FF0000"/>
+                </a:solidFill>
+              </a:rPr>
+              <a:t>Advantages and Disadvantages of Proposed System:</a:t>
+            </a:r>
+            <a:endParaRPr lang="en-IN" sz="2800" dirty="0"/>
+          </a:p>
+        </p:txBody>
+      </p:sp>
+      <p:sp>
+        <p:nvSpPr>
+          <p:cNvPr id="4" name="Date Placeholder 3"/>
+          <p:cNvSpPr>
+            <a:spLocks noGrp="1"/>
+          </p:cNvSpPr>
+          <p:nvPr>
+            <p:ph type="dt" sz="half" idx="10"/>
+          </p:nvPr>
+        </p:nvSpPr>
+        <p:spPr/>
+        <p:txBody>
+          <a:bodyPr/>
+          <a:lstStyle/>
+          <a:p>
+            <a:endParaRPr lang="en-IN" dirty="0"/>
+          </a:p>
+        </p:txBody>
+      </p:sp>
+      <p:sp>
+        <p:nvSpPr>
+          <p:cNvPr id="5" name="Footer Placeholder 4"/>
+          <p:cNvSpPr>
+            <a:spLocks noGrp="1"/>
+          </p:cNvSpPr>
+          <p:nvPr>
+            <p:ph type="ftr" sz="quarter" idx="11"/>
+          </p:nvPr>
+        </p:nvSpPr>
+        <p:spPr/>
+        <p:txBody>
+          <a:bodyPr/>
+          <a:lstStyle/>
+          <a:p>
+            <a:r>
+              <a:rPr lang="en-US"/>
+              <a:t>Department of Artificial Intelligence and Data Science</a:t>
+            </a:r>
+            <a:endParaRPr lang="en-IN" dirty="0"/>
+          </a:p>
+        </p:txBody>
+      </p:sp>
+      <p:sp>
+        <p:nvSpPr>
+          <p:cNvPr id="6" name="Slide Number Placeholder 5"/>
+          <p:cNvSpPr>
+            <a:spLocks noGrp="1"/>
+          </p:cNvSpPr>
+          <p:nvPr>
+            <p:ph type="sldNum" sz="quarter" idx="12"/>
+          </p:nvPr>
+        </p:nvSpPr>
+        <p:spPr/>
+        <p:txBody>
+          <a:bodyPr/>
+          <a:lstStyle/>
+          <a:p>
+            <a:fld id="{5AB9ECBD-B4DD-40D5-8D24-9ECCDBB1583E}" type="slidenum">
+              <a:rPr lang="en-IN" smtClean="0"/>
+              <a:t>6</a:t>
+            </a:fld>
+            <a:endParaRPr lang="en-IN"/>
+          </a:p>
+        </p:txBody>
+      </p:sp>
       <p:sp>
         <p:nvSpPr>
           <p:cNvPr id="7" name="Content Placeholder 2"/>
@@ -10226,8 +10823,8 @@
         </p:nvSpPr>
         <p:spPr bwMode="auto">
           <a:xfrm>
-            <a:off x="657192" y="4111346"/>
-            <a:ext cx="11141552" cy="1713604"/>
+            <a:off x="694981" y="1756541"/>
+            <a:ext cx="10684219" cy="4280365"/>
           </a:xfrm>
           <a:prstGeom prst="rect">
             <a:avLst/>
@@ -10443,503 +11040,6 @@
               <a:defRPr/>
             </a:pPr>
             <a:r>
-              <a:rPr lang="en-IN" altLang="en-US" sz="2200" b="1" dirty="0">
-                <a:solidFill>
-                  <a:srgbClr val="000000"/>
-                </a:solidFill>
-                <a:latin typeface="Times New Roman" panose="02020603050405020304" pitchFamily="18" charset="0"/>
-                <a:cs typeface="Times New Roman" panose="02020603050405020304" pitchFamily="18" charset="0"/>
-              </a:rPr>
-              <a:t>Features of Existing System:</a:t>
-            </a:r>
-          </a:p>
-          <a:p>
-            <a:pPr>
-              <a:buClr>
-                <a:srgbClr val="CC0000"/>
-              </a:buClr>
-              <a:defRPr/>
-            </a:pPr>
-            <a:r>
-              <a:rPr lang="en-US" sz="2000" dirty="0">
-                <a:latin typeface="Times New Roman" panose="02020603050405020304" pitchFamily="18" charset="0"/>
-                <a:cs typeface="Times New Roman" panose="02020603050405020304" pitchFamily="18" charset="0"/>
-              </a:rPr>
-              <a:t>Wide </a:t>
-            </a:r>
-            <a:r>
-              <a:rPr lang="en-US" sz="2000" dirty="0" err="1">
-                <a:latin typeface="Times New Roman" panose="02020603050405020304" pitchFamily="18" charset="0"/>
-                <a:cs typeface="Times New Roman" panose="02020603050405020304" pitchFamily="18" charset="0"/>
-              </a:rPr>
-              <a:t>Availability:Accessible</a:t>
-            </a:r>
-            <a:r>
-              <a:rPr lang="en-US" sz="2000" dirty="0">
-                <a:latin typeface="Times New Roman" panose="02020603050405020304" pitchFamily="18" charset="0"/>
-                <a:cs typeface="Times New Roman" panose="02020603050405020304" pitchFamily="18" charset="0"/>
-              </a:rPr>
-              <a:t>: Many platforms like Amazon and Goodreads already offer recommendation features, making them easy to access for a large number of users.</a:t>
-            </a:r>
-          </a:p>
-          <a:p>
-            <a:pPr>
-              <a:buClr>
-                <a:srgbClr val="CC0000"/>
-              </a:buClr>
-              <a:defRPr/>
-            </a:pPr>
-            <a:r>
-              <a:rPr lang="en-US" sz="2000" dirty="0">
-                <a:latin typeface="Times New Roman" panose="02020603050405020304" pitchFamily="18" charset="0"/>
-                <a:cs typeface="Times New Roman" panose="02020603050405020304" pitchFamily="18" charset="0"/>
-              </a:rPr>
-              <a:t>Personalized </a:t>
-            </a:r>
-            <a:r>
-              <a:rPr lang="en-US" sz="2000" dirty="0" err="1">
-                <a:latin typeface="Times New Roman" panose="02020603050405020304" pitchFamily="18" charset="0"/>
-                <a:cs typeface="Times New Roman" panose="02020603050405020304" pitchFamily="18" charset="0"/>
-              </a:rPr>
-              <a:t>Suggestions:Tailored</a:t>
-            </a:r>
-            <a:r>
-              <a:rPr lang="en-US" sz="2000" dirty="0">
-                <a:latin typeface="Times New Roman" panose="02020603050405020304" pitchFamily="18" charset="0"/>
-                <a:cs typeface="Times New Roman" panose="02020603050405020304" pitchFamily="18" charset="0"/>
-              </a:rPr>
-              <a:t> Choices: Systems like collaborative and content-based filtering provide personalized book suggestions based on user preferences and behavior.</a:t>
-            </a:r>
-          </a:p>
-          <a:p>
-            <a:pPr marL="0" indent="0">
-              <a:buClr>
-                <a:srgbClr val="CC0000"/>
-              </a:buClr>
-              <a:buNone/>
-              <a:defRPr/>
-            </a:pPr>
-            <a:br>
-              <a:rPr lang="en-IN" altLang="en-US" sz="2800" dirty="0">
-                <a:solidFill>
-                  <a:srgbClr val="000000"/>
-                </a:solidFill>
-                <a:latin typeface="Verdana" panose="020B0604030504040204"/>
-              </a:rPr>
-            </a:br>
-            <a:endParaRPr lang="en-IN" altLang="en-US" sz="2800" dirty="0">
-              <a:solidFill>
-                <a:srgbClr val="000000"/>
-              </a:solidFill>
-              <a:latin typeface="Verdana" panose="020B0604030504040204"/>
-            </a:endParaRPr>
-          </a:p>
-          <a:p>
-            <a:pPr marL="0" indent="0">
-              <a:buFont typeface="Wingdings" panose="05000000000000000000" pitchFamily="2" charset="2"/>
-              <a:buNone/>
-            </a:pPr>
-            <a:endParaRPr lang="en-IN" dirty="0"/>
-          </a:p>
-        </p:txBody>
-      </p:sp>
-    </p:spTree>
-  </p:cSld>
-  <p:clrMapOvr>
-    <a:overrideClrMapping bg1="lt1" tx1="dk1" bg2="lt2" tx2="dk2" accent1="accent1" accent2="accent2" accent3="accent3" accent4="accent4" accent5="accent5" accent6="accent6" hlink="hlink" folHlink="folHlink"/>
-  </p:clrMapOvr>
-</p:sld>
-</file>
-
-<file path=ppt/slides/slide5.xml><?xml version="1.0" encoding="utf-8"?>
-<p:sld xmlns:a="http://schemas.openxmlformats.org/drawingml/2006/main" xmlns:r="http://schemas.openxmlformats.org/officeDocument/2006/relationships" xmlns:p="http://schemas.openxmlformats.org/presentationml/2006/main">
-  <p:cSld>
-    <p:spTree>
-      <p:nvGrpSpPr>
-        <p:cNvPr id="1" name=""/>
-        <p:cNvGrpSpPr/>
-        <p:nvPr/>
-      </p:nvGrpSpPr>
-      <p:grpSpPr>
-        <a:xfrm>
-          <a:off x="0" y="0"/>
-          <a:ext cx="0" cy="0"/>
-          <a:chOff x="0" y="0"/>
-          <a:chExt cx="0" cy="0"/>
-        </a:xfrm>
-      </p:grpSpPr>
-      <p:sp>
-        <p:nvSpPr>
-          <p:cNvPr id="2" name="Title 1"/>
-          <p:cNvSpPr>
-            <a:spLocks noGrp="1"/>
-          </p:cNvSpPr>
-          <p:nvPr>
-            <p:ph type="title"/>
-          </p:nvPr>
-        </p:nvSpPr>
-        <p:spPr>
-          <a:xfrm>
-            <a:off x="577049" y="304801"/>
-            <a:ext cx="10857184" cy="1216025"/>
-          </a:xfrm>
-        </p:spPr>
-        <p:txBody>
-          <a:bodyPr/>
-          <a:lstStyle/>
-          <a:p>
-            <a:r>
-              <a:rPr lang="en-US" dirty="0"/>
-              <a:t> </a:t>
-            </a:r>
-            <a:r>
-              <a:rPr lang="en-US" sz="3200" b="1" dirty="0">
-                <a:solidFill>
-                  <a:srgbClr val="FF0000"/>
-                </a:solidFill>
-              </a:rPr>
-              <a:t>Proposed System </a:t>
-            </a:r>
-          </a:p>
-        </p:txBody>
-      </p:sp>
-      <p:sp>
-        <p:nvSpPr>
-          <p:cNvPr id="3" name="Content Placeholder 2"/>
-          <p:cNvSpPr>
-            <a:spLocks noGrp="1"/>
-          </p:cNvSpPr>
-          <p:nvPr>
-            <p:ph idx="1"/>
-          </p:nvPr>
-        </p:nvSpPr>
-        <p:spPr/>
-        <p:txBody>
-          <a:bodyPr/>
-          <a:lstStyle/>
-          <a:p>
-            <a:pPr marL="0" indent="0" algn="just">
-              <a:buNone/>
-            </a:pPr>
-            <a:r>
-              <a:rPr lang="en-US" sz="1600" dirty="0">
-                <a:latin typeface="Times New Roman" panose="02020603050405020304" pitchFamily="18" charset="0"/>
-                <a:cs typeface="Times New Roman" panose="02020603050405020304" pitchFamily="18" charset="0"/>
-              </a:rPr>
-              <a:t>The proposed book recommendation software aims to address the limitations of existing book recommendation systems.</a:t>
-            </a:r>
-          </a:p>
-          <a:p>
-            <a:pPr marL="0" indent="0" algn="just">
-              <a:buNone/>
-            </a:pPr>
-            <a:r>
-              <a:rPr lang="en-US" sz="1600" b="1" dirty="0">
-                <a:latin typeface="Times New Roman" panose="02020603050405020304" pitchFamily="18" charset="0"/>
-                <a:cs typeface="Times New Roman" panose="02020603050405020304" pitchFamily="18" charset="0"/>
-              </a:rPr>
-              <a:t>Narrative Style Matching:</a:t>
-            </a:r>
-            <a:r>
-              <a:rPr lang="en-US" sz="1600" dirty="0">
-                <a:latin typeface="Times New Roman" panose="02020603050405020304" pitchFamily="18" charset="0"/>
-                <a:cs typeface="Times New Roman" panose="02020603050405020304" pitchFamily="18" charset="0"/>
-              </a:rPr>
-              <a:t> Matches users with books based on their preferred narrative style, such as character-driven vs. plot-driven, or fast-paced vs. slow burn, for a more personalized reading experience.</a:t>
-            </a:r>
-          </a:p>
-          <a:p>
-            <a:pPr marL="0" indent="0" algn="just">
-              <a:buNone/>
-            </a:pPr>
-            <a:endParaRPr lang="en-US" sz="1600" dirty="0">
-              <a:latin typeface="Times New Roman" panose="02020603050405020304" pitchFamily="18" charset="0"/>
-              <a:cs typeface="Times New Roman" panose="02020603050405020304" pitchFamily="18" charset="0"/>
-            </a:endParaRPr>
-          </a:p>
-          <a:p>
-            <a:pPr marL="0" indent="0" algn="just">
-              <a:buNone/>
-            </a:pPr>
-            <a:r>
-              <a:rPr lang="en-US" sz="1600" b="1" dirty="0">
-                <a:latin typeface="Times New Roman" panose="02020603050405020304" pitchFamily="18" charset="0"/>
-                <a:cs typeface="Times New Roman" panose="02020603050405020304" pitchFamily="18" charset="0"/>
-              </a:rPr>
-              <a:t>Time Commitment Suggestions: </a:t>
-            </a:r>
-            <a:r>
-              <a:rPr lang="en-US" sz="1600" dirty="0">
-                <a:latin typeface="Times New Roman" panose="02020603050405020304" pitchFamily="18" charset="0"/>
-                <a:cs typeface="Times New Roman" panose="02020603050405020304" pitchFamily="18" charset="0"/>
-              </a:rPr>
-              <a:t>Offers book recommendations based on the time users have available to read, suggesting short stories or novellas for shorter time frames and full-length novels or series for longer periods.</a:t>
-            </a:r>
-          </a:p>
-          <a:p>
-            <a:pPr marL="0" indent="0" algn="just">
-              <a:buNone/>
-            </a:pPr>
-            <a:endParaRPr lang="en-US" sz="1600" dirty="0">
-              <a:latin typeface="Times New Roman" panose="02020603050405020304" pitchFamily="18" charset="0"/>
-              <a:cs typeface="Times New Roman" panose="02020603050405020304" pitchFamily="18" charset="0"/>
-            </a:endParaRPr>
-          </a:p>
-          <a:p>
-            <a:pPr marL="0" indent="0" algn="just">
-              <a:buNone/>
-            </a:pPr>
-            <a:r>
-              <a:rPr lang="en-US" sz="1600" b="1" dirty="0">
-                <a:latin typeface="Times New Roman" panose="02020603050405020304" pitchFamily="18" charset="0"/>
-                <a:cs typeface="Times New Roman" panose="02020603050405020304" pitchFamily="18" charset="0"/>
-              </a:rPr>
-              <a:t>Interactive Plot Previews:</a:t>
-            </a:r>
-            <a:r>
-              <a:rPr lang="en-US" sz="1600" dirty="0">
-                <a:latin typeface="Times New Roman" panose="02020603050405020304" pitchFamily="18" charset="0"/>
-                <a:cs typeface="Times New Roman" panose="02020603050405020304" pitchFamily="18" charset="0"/>
-              </a:rPr>
-              <a:t> Provides interactive summaries or key scenes from potential books, allowing users to “try before they buy” by immersing themselves in the story before committing to reading the whole book.</a:t>
-            </a:r>
-          </a:p>
-          <a:p>
-            <a:pPr marL="0" indent="0" algn="just">
-              <a:buNone/>
-            </a:pPr>
-            <a:endParaRPr lang="en-US" sz="1600" dirty="0">
-              <a:latin typeface="Times New Roman" panose="02020603050405020304" pitchFamily="18" charset="0"/>
-              <a:cs typeface="Times New Roman" panose="02020603050405020304" pitchFamily="18" charset="0"/>
-            </a:endParaRPr>
-          </a:p>
-          <a:p>
-            <a:pPr marL="0" indent="0" algn="just">
-              <a:buNone/>
-            </a:pPr>
-            <a:r>
-              <a:rPr lang="en-US" sz="1600" b="1" dirty="0">
-                <a:latin typeface="Times New Roman" panose="02020603050405020304" pitchFamily="18" charset="0"/>
-                <a:cs typeface="Times New Roman" panose="02020603050405020304" pitchFamily="18" charset="0"/>
-              </a:rPr>
-              <a:t>Gamification of Reading Habits:</a:t>
-            </a:r>
-            <a:r>
-              <a:rPr lang="en-US" sz="1600" dirty="0">
-                <a:latin typeface="Times New Roman" panose="02020603050405020304" pitchFamily="18" charset="0"/>
-                <a:cs typeface="Times New Roman" panose="02020603050405020304" pitchFamily="18" charset="0"/>
-              </a:rPr>
-              <a:t> Introduces achievements, badges, and rewards for reading milestones, encouraging users to explore new genres, authors, or reading formats and making the reading experience more engaging.</a:t>
-            </a:r>
-          </a:p>
-          <a:p>
-            <a:pPr marL="0" indent="0" algn="just">
-              <a:buNone/>
-            </a:pPr>
-            <a:endParaRPr lang="en-US" sz="1600" dirty="0">
-              <a:latin typeface="Times New Roman" panose="02020603050405020304" pitchFamily="18" charset="0"/>
-              <a:cs typeface="Times New Roman" panose="02020603050405020304" pitchFamily="18" charset="0"/>
-            </a:endParaRPr>
-          </a:p>
-          <a:p>
-            <a:pPr marL="0" indent="0" algn="just">
-              <a:buNone/>
-            </a:pPr>
-            <a:r>
-              <a:rPr lang="en-US" sz="1600" b="1" dirty="0">
-                <a:latin typeface="Times New Roman" panose="02020603050405020304" pitchFamily="18" charset="0"/>
-                <a:cs typeface="Times New Roman" panose="02020603050405020304" pitchFamily="18" charset="0"/>
-              </a:rPr>
-              <a:t>Book-Movie/TV Show Pairing:</a:t>
-            </a:r>
-            <a:r>
-              <a:rPr lang="en-US" sz="1600" dirty="0">
-                <a:latin typeface="Times New Roman" panose="02020603050405020304" pitchFamily="18" charset="0"/>
-                <a:cs typeface="Times New Roman" panose="02020603050405020304" pitchFamily="18" charset="0"/>
-              </a:rPr>
-              <a:t> Recommends books alongside movies or TV shows that are either adaptations or thematically similar, appealing to users who enjoy cross-media experiences.</a:t>
-            </a:r>
-          </a:p>
-        </p:txBody>
-      </p:sp>
-      <p:sp>
-        <p:nvSpPr>
-          <p:cNvPr id="4" name="Date Placeholder 3"/>
-          <p:cNvSpPr>
-            <a:spLocks noGrp="1"/>
-          </p:cNvSpPr>
-          <p:nvPr>
-            <p:ph type="dt" sz="half" idx="10"/>
-          </p:nvPr>
-        </p:nvSpPr>
-        <p:spPr/>
-        <p:txBody>
-          <a:bodyPr/>
-          <a:lstStyle/>
-          <a:p>
-            <a:pPr>
-              <a:defRPr/>
-            </a:pPr>
-            <a:endParaRPr lang="en-US" dirty="0"/>
-          </a:p>
-        </p:txBody>
-      </p:sp>
-      <p:sp>
-        <p:nvSpPr>
-          <p:cNvPr id="5" name="Footer Placeholder 4"/>
-          <p:cNvSpPr>
-            <a:spLocks noGrp="1"/>
-          </p:cNvSpPr>
-          <p:nvPr>
-            <p:ph type="ftr" sz="quarter" idx="11"/>
-          </p:nvPr>
-        </p:nvSpPr>
-        <p:spPr/>
-        <p:txBody>
-          <a:bodyPr/>
-          <a:lstStyle/>
-          <a:p>
-            <a:pPr>
-              <a:defRPr/>
-            </a:pPr>
-            <a:r>
-              <a:rPr lang="en-US"/>
-              <a:t>Department of Artificial Intelligence and Data Science</a:t>
-            </a:r>
-          </a:p>
-        </p:txBody>
-      </p:sp>
-      <p:sp>
-        <p:nvSpPr>
-          <p:cNvPr id="6" name="Slide Number Placeholder 5"/>
-          <p:cNvSpPr>
-            <a:spLocks noGrp="1"/>
-          </p:cNvSpPr>
-          <p:nvPr>
-            <p:ph type="sldNum" sz="quarter" idx="12"/>
-          </p:nvPr>
-        </p:nvSpPr>
-        <p:spPr/>
-        <p:txBody>
-          <a:bodyPr/>
-          <a:lstStyle/>
-          <a:p>
-            <a:pPr>
-              <a:defRPr/>
-            </a:pPr>
-            <a:fld id="{BDC2143B-610F-499C-A392-DFFBE135A7B2}" type="slidenum">
-              <a:rPr lang="en-US" altLang="en-US" smtClean="0"/>
-              <a:t>5</a:t>
-            </a:fld>
-            <a:endParaRPr lang="en-US" altLang="en-US"/>
-          </a:p>
-        </p:txBody>
-      </p:sp>
-    </p:spTree>
-  </p:cSld>
-  <p:clrMapOvr>
-    <a:masterClrMapping/>
-  </p:clrMapOvr>
-</p:sld>
-</file>
-
-<file path=ppt/slides/slide6.xml><?xml version="1.0" encoding="utf-8"?>
-<p:sld xmlns:a="http://schemas.openxmlformats.org/drawingml/2006/main" xmlns:r="http://schemas.openxmlformats.org/officeDocument/2006/relationships" xmlns:p="http://schemas.openxmlformats.org/presentationml/2006/main">
-  <p:cSld>
-    <p:bg>
-      <p:bgPr>
-        <a:blipFill dpi="0" rotWithShape="0">
-          <a:blip r:embed="rId4"/>
-          <a:srcRect/>
-          <a:tile tx="0" ty="0" sx="100000" sy="100000" flip="none" algn="tl"/>
-        </a:blipFill>
-        <a:effectLst/>
-      </p:bgPr>
-    </p:bg>
-    <p:spTree>
-      <p:nvGrpSpPr>
-        <p:cNvPr id="1" name=""/>
-        <p:cNvGrpSpPr/>
-        <p:nvPr/>
-      </p:nvGrpSpPr>
-      <p:grpSpPr>
-        <a:xfrm>
-          <a:off x="0" y="0"/>
-          <a:ext cx="0" cy="0"/>
-          <a:chOff x="0" y="0"/>
-          <a:chExt cx="0" cy="0"/>
-        </a:xfrm>
-      </p:grpSpPr>
-      <p:sp>
-        <p:nvSpPr>
-          <p:cNvPr id="2" name="Title 1"/>
-          <p:cNvSpPr>
-            <a:spLocks noGrp="1"/>
-          </p:cNvSpPr>
-          <p:nvPr>
-            <p:ph type="title"/>
-          </p:nvPr>
-        </p:nvSpPr>
-        <p:spPr>
-          <a:xfrm>
-            <a:off x="656949" y="304801"/>
-            <a:ext cx="11638624" cy="1216025"/>
-          </a:xfrm>
-        </p:spPr>
-        <p:txBody>
-          <a:bodyPr/>
-          <a:lstStyle/>
-          <a:p>
-            <a:r>
-              <a:rPr lang="en-IN" altLang="en-US" sz="3200" b="1" dirty="0">
-                <a:solidFill>
-                  <a:srgbClr val="FF0000"/>
-                </a:solidFill>
-              </a:rPr>
-              <a:t>Advantages and Disadvantages of Proposed System</a:t>
-            </a:r>
-            <a:endParaRPr lang="en-IN" sz="2800" dirty="0"/>
-          </a:p>
-        </p:txBody>
-      </p:sp>
-      <p:sp>
-        <p:nvSpPr>
-          <p:cNvPr id="3" name="Content Placeholder 2"/>
-          <p:cNvSpPr>
-            <a:spLocks noGrp="1"/>
-          </p:cNvSpPr>
-          <p:nvPr>
-            <p:ph idx="1"/>
-          </p:nvPr>
-        </p:nvSpPr>
-        <p:spPr>
-          <a:xfrm>
-            <a:off x="6597158" y="1752600"/>
-            <a:ext cx="5440963" cy="4267200"/>
-          </a:xfrm>
-        </p:spPr>
-        <p:txBody>
-          <a:bodyPr/>
-          <a:lstStyle/>
-          <a:p>
-            <a:pPr marL="0" marR="0" lvl="0" indent="0" algn="l" defTabSz="914400" rtl="0" eaLnBrk="0" fontAlgn="base" latinLnBrk="0" hangingPunct="0">
-              <a:lnSpc>
-                <a:spcPct val="100000"/>
-              </a:lnSpc>
-              <a:spcBef>
-                <a:spcPct val="20000"/>
-              </a:spcBef>
-              <a:spcAft>
-                <a:spcPct val="0"/>
-              </a:spcAft>
-              <a:buClr>
-                <a:srgbClr val="CC0000"/>
-              </a:buClr>
-              <a:buSzTx/>
-              <a:buNone/>
-              <a:defRPr/>
-            </a:pPr>
-            <a:r>
               <a:rPr lang="en-IN" altLang="en-US" sz="2400" b="1" dirty="0">
                 <a:solidFill>
                   <a:srgbClr val="000000"/>
@@ -10947,46 +11047,108 @@
                 <a:latin typeface="Times New Roman" panose="02020603050405020304" pitchFamily="18" charset="0"/>
                 <a:cs typeface="Times New Roman" panose="02020603050405020304" pitchFamily="18" charset="0"/>
               </a:rPr>
-              <a:t>Limitations of Proposed System:</a:t>
-            </a:r>
-          </a:p>
-          <a:p>
-            <a:pPr>
+              <a:t>Advantages of Proposed System:</a:t>
+            </a:r>
+          </a:p>
+          <a:p>
+            <a:pPr algn="just">
               <a:buClr>
                 <a:srgbClr val="CC0000"/>
               </a:buClr>
-              <a:defRPr/>
-            </a:pPr>
-            <a:r>
-              <a:rPr lang="en-US" altLang="en-US" sz="2400" dirty="0">
+              <a:buFont typeface="Arial" panose="020B0604020202020204" pitchFamily="34" charset="0"/>
+              <a:buChar char="•"/>
+              <a:defRPr/>
+            </a:pPr>
+            <a:r>
+              <a:rPr lang="en-US" altLang="en-US" sz="2000" dirty="0">
                 <a:solidFill>
                   <a:srgbClr val="000000"/>
                 </a:solidFill>
                 <a:latin typeface="Times New Roman" panose="02020603050405020304" pitchFamily="18" charset="0"/>
                 <a:cs typeface="Times New Roman" panose="02020603050405020304" pitchFamily="18" charset="0"/>
               </a:rPr>
-              <a:t>User Adaptation: Some users may need time to adjust to new features like narrative style matching and gamification.No Nutrients guidance </a:t>
-            </a:r>
-          </a:p>
-          <a:p>
-            <a:pPr>
+              <a:t>Time-Saving: Helps users choose books based on available reading time.</a:t>
+            </a:r>
+          </a:p>
+          <a:p>
+            <a:pPr algn="just">
               <a:buClr>
                 <a:srgbClr val="CC0000"/>
               </a:buClr>
-              <a:defRPr/>
-            </a:pPr>
-            <a:r>
-              <a:rPr lang="en-IN" altLang="en-US" sz="2400" dirty="0">
+              <a:buFont typeface="Arial" panose="020B0604020202020204" pitchFamily="34" charset="0"/>
+              <a:buChar char="•"/>
+              <a:defRPr/>
+            </a:pPr>
+            <a:r>
+              <a:rPr lang="en-US" altLang="en-US" sz="2000" dirty="0">
                 <a:solidFill>
                   <a:srgbClr val="000000"/>
                 </a:solidFill>
                 <a:latin typeface="Times New Roman" panose="02020603050405020304" pitchFamily="18" charset="0"/>
                 <a:cs typeface="Times New Roman" panose="02020603050405020304" pitchFamily="18" charset="0"/>
               </a:rPr>
-              <a:t>Complex Implementation: Integrating interactive previews and gamification features can be technically challenging and resource-intensive.No Community Features  </a:t>
-            </a:r>
-            <a:br>
-              <a:rPr kumimoji="0" lang="en-IN" altLang="en-US" sz="2800" b="0" i="0" u="none" strike="noStrike" kern="0" cap="none" spc="0" normalizeH="0" baseline="0" noProof="0" dirty="0">
+              <a:t>Better User Experience: Offers more relevant book choices, increasing user satisfaction.</a:t>
+            </a:r>
+          </a:p>
+          <a:p>
+            <a:pPr algn="just">
+              <a:buClr>
+                <a:srgbClr val="CC0000"/>
+              </a:buClr>
+              <a:buFont typeface="Arial" panose="020B0604020202020204" pitchFamily="34" charset="0"/>
+              <a:buChar char="•"/>
+              <a:defRPr/>
+            </a:pPr>
+            <a:r>
+              <a:rPr lang="en-US" altLang="en-US" sz="2000" dirty="0">
+                <a:solidFill>
+                  <a:srgbClr val="000000"/>
+                </a:solidFill>
+                <a:latin typeface="Times New Roman" panose="02020603050405020304" pitchFamily="18" charset="0"/>
+                <a:cs typeface="Times New Roman" panose="02020603050405020304" pitchFamily="18" charset="0"/>
+              </a:rPr>
+              <a:t>Cater to Various Readers: Suitable for users with different reading habits and time constraints.</a:t>
+            </a:r>
+          </a:p>
+          <a:p>
+            <a:pPr algn="just">
+              <a:buClr>
+                <a:srgbClr val="CC0000"/>
+              </a:buClr>
+              <a:buFont typeface="Arial" panose="020B0604020202020204" pitchFamily="34" charset="0"/>
+              <a:buChar char="•"/>
+              <a:defRPr/>
+            </a:pPr>
+            <a:r>
+              <a:rPr lang="en-US" altLang="en-US" sz="2000" dirty="0">
+                <a:solidFill>
+                  <a:srgbClr val="000000"/>
+                </a:solidFill>
+                <a:latin typeface="Times New Roman" panose="02020603050405020304" pitchFamily="18" charset="0"/>
+                <a:cs typeface="Times New Roman" panose="02020603050405020304" pitchFamily="18" charset="0"/>
+              </a:rPr>
+              <a:t>Personalized Suggestions: Tailors book recommendations based on user preferences.</a:t>
+            </a:r>
+          </a:p>
+          <a:p>
+            <a:pPr marL="0" marR="0" lvl="0" indent="0" algn="l" defTabSz="914400" rtl="0" eaLnBrk="1" fontAlgn="auto" latinLnBrk="0" hangingPunct="1">
+              <a:spcBef>
+                <a:spcPts val="0"/>
+              </a:spcBef>
+              <a:spcAft>
+                <a:spcPts val="0"/>
+              </a:spcAft>
+              <a:buClr>
+                <a:srgbClr val="CC0000"/>
+              </a:buClr>
+              <a:buSzTx/>
+              <a:buFont typeface="Wingdings" panose="05000000000000000000" pitchFamily="2" charset="2"/>
+              <a:buNone/>
+              <a:tabLst/>
+              <a:defRPr/>
+            </a:pPr>
+            <a:r>
+              <a:rPr kumimoji="0" lang="en-IN" altLang="en-US" sz="2400" b="1" i="0" u="none" strike="noStrike" kern="1200" cap="none" spc="0" normalizeH="0" baseline="0" noProof="0" dirty="0">
                 <a:ln>
                   <a:noFill/>
                 </a:ln>
@@ -10996,12 +11158,13 @@
                 <a:effectLst/>
                 <a:uLnTx/>
                 <a:uFillTx/>
-                <a:latin typeface="Verdana" panose="020B0604030504040204"/>
+                <a:latin typeface="Times New Roman" panose="02020603050405020304" pitchFamily="18" charset="0"/>
                 <a:ea typeface="+mn-ea"/>
-                <a:cs typeface="+mn-cs"/>
+                <a:cs typeface="Times New Roman" panose="02020603050405020304" pitchFamily="18" charset="0"/>
               </a:rPr>
-            </a:br>
-            <a:endParaRPr kumimoji="0" lang="en-IN" altLang="en-US" sz="2800" b="0" i="0" u="none" strike="noStrike" kern="0" cap="none" spc="0" normalizeH="0" baseline="0" noProof="0" dirty="0">
+              <a:t>Disadvantages of Proposed System:</a:t>
+            </a:r>
+            <a:endParaRPr kumimoji="0" lang="en-IN" altLang="en-US" sz="1800" b="1" i="0" u="none" strike="noStrike" kern="1200" cap="none" spc="0" normalizeH="0" baseline="0" noProof="0" dirty="0">
               <a:ln>
                 <a:noFill/>
               </a:ln>
@@ -11011,426 +11174,145 @@
               <a:effectLst/>
               <a:uLnTx/>
               <a:uFillTx/>
-              <a:latin typeface="Verdana" panose="020B0604030504040204"/>
+              <a:latin typeface="Times New Roman" panose="02020603050405020304" pitchFamily="18" charset="0"/>
               <a:ea typeface="+mn-ea"/>
-              <a:cs typeface="+mn-cs"/>
+              <a:cs typeface="Times New Roman" panose="02020603050405020304" pitchFamily="18" charset="0"/>
             </a:endParaRPr>
           </a:p>
           <a:p>
-            <a:pPr marL="0" indent="0">
-              <a:buNone/>
-            </a:pPr>
-            <a:endParaRPr lang="en-IN" dirty="0"/>
-          </a:p>
-        </p:txBody>
-      </p:sp>
-      <p:sp>
-        <p:nvSpPr>
-          <p:cNvPr id="4" name="Date Placeholder 3"/>
-          <p:cNvSpPr>
-            <a:spLocks noGrp="1"/>
-          </p:cNvSpPr>
-          <p:nvPr>
-            <p:ph type="dt" sz="half" idx="10"/>
-          </p:nvPr>
-        </p:nvSpPr>
-        <p:spPr/>
-        <p:txBody>
-          <a:bodyPr/>
-          <a:lstStyle/>
-          <a:p>
-            <a:endParaRPr lang="en-IN" dirty="0"/>
-          </a:p>
-        </p:txBody>
-      </p:sp>
-      <p:sp>
-        <p:nvSpPr>
-          <p:cNvPr id="5" name="Footer Placeholder 4"/>
-          <p:cNvSpPr>
-            <a:spLocks noGrp="1"/>
-          </p:cNvSpPr>
-          <p:nvPr>
-            <p:ph type="ftr" sz="quarter" idx="11"/>
-          </p:nvPr>
-        </p:nvSpPr>
-        <p:spPr/>
-        <p:txBody>
-          <a:bodyPr/>
-          <a:lstStyle/>
-          <a:p>
-            <a:r>
-              <a:rPr lang="en-US"/>
-              <a:t>Department of Artificial Intelligence and Data Science</a:t>
-            </a:r>
-            <a:endParaRPr lang="en-IN" dirty="0"/>
-          </a:p>
-        </p:txBody>
-      </p:sp>
-      <p:sp>
-        <p:nvSpPr>
-          <p:cNvPr id="6" name="Slide Number Placeholder 5"/>
-          <p:cNvSpPr>
-            <a:spLocks noGrp="1"/>
-          </p:cNvSpPr>
-          <p:nvPr>
-            <p:ph type="sldNum" sz="quarter" idx="12"/>
-          </p:nvPr>
-        </p:nvSpPr>
-        <p:spPr/>
-        <p:txBody>
-          <a:bodyPr/>
-          <a:lstStyle/>
-          <a:p>
-            <a:fld id="{5AB9ECBD-B4DD-40D5-8D24-9ECCDBB1583E}" type="slidenum">
-              <a:rPr lang="en-IN" smtClean="0"/>
-              <a:t>6</a:t>
-            </a:fld>
-            <a:endParaRPr lang="en-IN"/>
-          </a:p>
-        </p:txBody>
-      </p:sp>
-      <p:sp>
-        <p:nvSpPr>
-          <p:cNvPr id="7" name="Content Placeholder 2"/>
-          <p:cNvSpPr txBox="1"/>
-          <p:nvPr/>
-        </p:nvSpPr>
-        <p:spPr bwMode="auto">
-          <a:xfrm>
-            <a:off x="694981" y="1812525"/>
-            <a:ext cx="5440963" cy="4267200"/>
-          </a:xfrm>
-          <a:prstGeom prst="rect">
-            <a:avLst/>
-          </a:prstGeom>
-          <a:noFill/>
-          <a:ln>
-            <a:noFill/>
-          </a:ln>
-          <a:extLst>
-            <a:ext uri="{909E8E84-426E-40DD-AFC4-6F175D3DCCD1}">
-              <a14:hiddenFill xmlns:a14="http://schemas.microsoft.com/office/drawing/2010/main">
-                <a:solidFill>
-                  <a:srgbClr val="FFFFFF"/>
-                </a:solidFill>
-              </a14:hiddenFill>
-            </a:ext>
-            <a:ext uri="{91240B29-F687-4F45-9708-019B960494DF}">
-              <a14:hiddenLine xmlns:a14="http://schemas.microsoft.com/office/drawing/2010/main" w="9525">
+            <a:pPr marR="0" lvl="0" algn="just" defTabSz="914400" rtl="0" eaLnBrk="1" fontAlgn="auto" latinLnBrk="0" hangingPunct="1">
+              <a:spcBef>
+                <a:spcPts val="0"/>
+              </a:spcBef>
+              <a:spcAft>
+                <a:spcPts val="0"/>
+              </a:spcAft>
+              <a:buClr>
+                <a:srgbClr val="CC0000"/>
+              </a:buClr>
+              <a:buSzTx/>
+              <a:buFont typeface="Arial" panose="020B0604020202020204" pitchFamily="34" charset="0"/>
+              <a:buChar char="•"/>
+              <a:tabLst/>
+              <a:defRPr/>
+            </a:pPr>
+            <a:r>
+              <a:rPr kumimoji="0" lang="en-US" altLang="en-US" sz="1800" i="0" u="none" strike="noStrike" kern="1200" cap="none" spc="0" normalizeH="0" baseline="0" noProof="0" dirty="0">
+                <a:ln>
+                  <a:noFill/>
+                </a:ln>
                 <a:solidFill>
                   <a:srgbClr val="000000"/>
                 </a:solidFill>
-                <a:miter lim="800000"/>
-                <a:headEnd/>
-                <a:tailEnd/>
-              </a14:hiddenLine>
-            </a:ext>
-          </a:extLst>
-        </p:spPr>
-        <p:txBody>
-          <a:bodyPr vert="horz" wrap="square" lIns="91440" tIns="45720" rIns="91440" bIns="45720" numCol="1" anchor="t" anchorCtr="0" compatLnSpc="1"/>
-          <a:lstStyle>
-            <a:lvl1pPr marL="469900" indent="-469900" algn="l" rtl="0" eaLnBrk="0" fontAlgn="base" hangingPunct="0">
+                <a:effectLst/>
+                <a:uLnTx/>
+                <a:uFillTx/>
+                <a:latin typeface="Times New Roman" panose="02020603050405020304" pitchFamily="18" charset="0"/>
+                <a:ea typeface="+mn-ea"/>
+                <a:cs typeface="Times New Roman" panose="02020603050405020304" pitchFamily="18" charset="0"/>
+              </a:rPr>
+              <a:t>Limited to Available Data: Suggestions can only be as good as the data available on books and user preferences.</a:t>
+            </a:r>
+          </a:p>
+          <a:p>
+            <a:pPr marR="0" lvl="0" algn="just" defTabSz="914400" rtl="0" eaLnBrk="1" fontAlgn="auto" latinLnBrk="0" hangingPunct="1">
               <a:spcBef>
-                <a:spcPct val="20000"/>
+                <a:spcPts val="0"/>
               </a:spcBef>
               <a:spcAft>
-                <a:spcPct val="0"/>
+                <a:spcPts val="0"/>
               </a:spcAft>
               <a:buClr>
-                <a:schemeClr val="accent2"/>
+                <a:srgbClr val="CC0000"/>
               </a:buClr>
-              <a:buFont typeface="Wingdings" panose="05000000000000000000" pitchFamily="2" charset="2"/>
-              <a:buChar char="o"/>
-              <a:defRPr sz="3000">
+              <a:buSzTx/>
+              <a:buFont typeface="Arial" panose="020B0604020202020204" pitchFamily="34" charset="0"/>
+              <a:buChar char="•"/>
+              <a:tabLst/>
+              <a:defRPr/>
+            </a:pPr>
+            <a:r>
+              <a:rPr kumimoji="0" lang="en-US" altLang="en-US" sz="1800" i="0" u="none" strike="noStrike" kern="1200" cap="none" spc="0" normalizeH="0" baseline="0" noProof="0" dirty="0">
+                <a:ln>
+                  <a:noFill/>
+                </a:ln>
                 <a:solidFill>
-                  <a:schemeClr val="tx1"/>
+                  <a:srgbClr val="000000"/>
                 </a:solidFill>
-                <a:latin typeface="+mn-lt"/>
+                <a:effectLst/>
+                <a:uLnTx/>
+                <a:uFillTx/>
+                <a:latin typeface="Times New Roman" panose="02020603050405020304" pitchFamily="18" charset="0"/>
                 <a:ea typeface="+mn-ea"/>
-                <a:cs typeface="+mn-cs"/>
-              </a:defRPr>
-            </a:lvl1pPr>
-            <a:lvl2pPr marL="908050" indent="-436880" algn="l" rtl="0" eaLnBrk="0" fontAlgn="base" hangingPunct="0">
+                <a:cs typeface="Times New Roman" panose="02020603050405020304" pitchFamily="18" charset="0"/>
+              </a:rPr>
+              <a:t>Limited Variety: Over-relying on genres or time commitment might restrict diversity in book recommendations.</a:t>
+            </a:r>
+          </a:p>
+          <a:p>
+            <a:pPr marR="0" lvl="0" algn="just" defTabSz="914400" rtl="0" eaLnBrk="1" fontAlgn="auto" latinLnBrk="0" hangingPunct="1">
               <a:spcBef>
-                <a:spcPct val="20000"/>
+                <a:spcPts val="0"/>
               </a:spcBef>
               <a:spcAft>
-                <a:spcPct val="0"/>
+                <a:spcPts val="0"/>
               </a:spcAft>
               <a:buClr>
-                <a:schemeClr val="accent2"/>
+                <a:srgbClr val="CC0000"/>
               </a:buClr>
-              <a:buFont typeface="Wingdings" panose="05000000000000000000" pitchFamily="2" charset="2"/>
-              <a:buChar char="n"/>
-              <a:defRPr sz="2600">
+              <a:buSzTx/>
+              <a:buFont typeface="Arial" panose="020B0604020202020204" pitchFamily="34" charset="0"/>
+              <a:buChar char="•"/>
+              <a:tabLst/>
+              <a:defRPr/>
+            </a:pPr>
+            <a:r>
+              <a:rPr kumimoji="0" lang="en-US" altLang="en-US" sz="1800" i="0" u="none" strike="noStrike" kern="1200" cap="none" spc="0" normalizeH="0" baseline="0" noProof="0" dirty="0">
+                <a:ln>
+                  <a:noFill/>
+                </a:ln>
                 <a:solidFill>
-                  <a:schemeClr val="tx1"/>
+                  <a:srgbClr val="000000"/>
                 </a:solidFill>
-                <a:latin typeface="+mn-lt"/>
-              </a:defRPr>
-            </a:lvl2pPr>
-            <a:lvl3pPr marL="1304925" indent="-395605" algn="l" rtl="0" eaLnBrk="0" fontAlgn="base" hangingPunct="0">
-              <a:spcBef>
-                <a:spcPct val="20000"/>
-              </a:spcBef>
-              <a:spcAft>
-                <a:spcPct val="0"/>
-              </a:spcAft>
-              <a:buClr>
-                <a:schemeClr val="accent2"/>
-              </a:buClr>
-              <a:buFont typeface="Wingdings" panose="05000000000000000000" pitchFamily="2" charset="2"/>
-              <a:buChar char="o"/>
-              <a:defRPr sz="2300">
-                <a:solidFill>
-                  <a:schemeClr val="tx1"/>
-                </a:solidFill>
-                <a:latin typeface="+mn-lt"/>
-              </a:defRPr>
-            </a:lvl3pPr>
-            <a:lvl4pPr marL="1694180" indent="-387350" algn="l" rtl="0" eaLnBrk="0" fontAlgn="base" hangingPunct="0">
-              <a:spcBef>
-                <a:spcPct val="20000"/>
-              </a:spcBef>
-              <a:spcAft>
-                <a:spcPct val="0"/>
-              </a:spcAft>
-              <a:buClr>
-                <a:schemeClr val="accent2"/>
-              </a:buClr>
-              <a:buFont typeface="Wingdings" panose="05000000000000000000" pitchFamily="2" charset="2"/>
-              <a:buChar char="n"/>
-              <a:defRPr sz="2000">
-                <a:solidFill>
-                  <a:schemeClr val="tx1"/>
-                </a:solidFill>
-                <a:latin typeface="+mn-lt"/>
-              </a:defRPr>
-            </a:lvl4pPr>
-            <a:lvl5pPr marL="2094230" indent="-398780" algn="l" rtl="0" eaLnBrk="0" fontAlgn="base" hangingPunct="0">
-              <a:spcBef>
-                <a:spcPct val="25000"/>
-              </a:spcBef>
-              <a:spcAft>
-                <a:spcPct val="0"/>
-              </a:spcAft>
-              <a:buClr>
-                <a:schemeClr val="accent2"/>
-              </a:buClr>
-              <a:buFont typeface="Wingdings" panose="05000000000000000000" pitchFamily="2" charset="2"/>
-              <a:buChar char="§"/>
-              <a:defRPr sz="2000">
-                <a:solidFill>
-                  <a:schemeClr val="tx1"/>
-                </a:solidFill>
-                <a:latin typeface="+mn-lt"/>
-              </a:defRPr>
-            </a:lvl5pPr>
-            <a:lvl6pPr marL="2551430" indent="-398780" algn="l" rtl="0" fontAlgn="base">
-              <a:spcBef>
-                <a:spcPct val="25000"/>
-              </a:spcBef>
-              <a:spcAft>
-                <a:spcPct val="0"/>
-              </a:spcAft>
-              <a:buClr>
-                <a:schemeClr val="accent2"/>
-              </a:buClr>
-              <a:buFont typeface="Wingdings" panose="05000000000000000000" pitchFamily="2" charset="2"/>
-              <a:buChar char="§"/>
-              <a:defRPr sz="2000">
-                <a:solidFill>
-                  <a:schemeClr val="tx1"/>
-                </a:solidFill>
-                <a:latin typeface="+mn-lt"/>
-              </a:defRPr>
-            </a:lvl6pPr>
-            <a:lvl7pPr marL="3008630" indent="-398780" algn="l" rtl="0" fontAlgn="base">
-              <a:spcBef>
-                <a:spcPct val="25000"/>
-              </a:spcBef>
-              <a:spcAft>
-                <a:spcPct val="0"/>
-              </a:spcAft>
-              <a:buClr>
-                <a:schemeClr val="accent2"/>
-              </a:buClr>
-              <a:buFont typeface="Wingdings" panose="05000000000000000000" pitchFamily="2" charset="2"/>
-              <a:buChar char="§"/>
-              <a:defRPr sz="2000">
-                <a:solidFill>
-                  <a:schemeClr val="tx1"/>
-                </a:solidFill>
-                <a:latin typeface="+mn-lt"/>
-              </a:defRPr>
-            </a:lvl7pPr>
-            <a:lvl8pPr marL="3465830" indent="-398780" algn="l" rtl="0" fontAlgn="base">
-              <a:spcBef>
-                <a:spcPct val="25000"/>
-              </a:spcBef>
-              <a:spcAft>
-                <a:spcPct val="0"/>
-              </a:spcAft>
-              <a:buClr>
-                <a:schemeClr val="accent2"/>
-              </a:buClr>
-              <a:buFont typeface="Wingdings" panose="05000000000000000000" pitchFamily="2" charset="2"/>
-              <a:buChar char="§"/>
-              <a:defRPr sz="2000">
-                <a:solidFill>
-                  <a:schemeClr val="tx1"/>
-                </a:solidFill>
-                <a:latin typeface="+mn-lt"/>
-              </a:defRPr>
-            </a:lvl8pPr>
-            <a:lvl9pPr marL="3923030" indent="-398780" algn="l" rtl="0" fontAlgn="base">
-              <a:spcBef>
-                <a:spcPct val="25000"/>
-              </a:spcBef>
-              <a:spcAft>
-                <a:spcPct val="0"/>
-              </a:spcAft>
-              <a:buClr>
-                <a:schemeClr val="accent2"/>
-              </a:buClr>
-              <a:buFont typeface="Wingdings" panose="05000000000000000000" pitchFamily="2" charset="2"/>
-              <a:buChar char="§"/>
-              <a:defRPr sz="2000">
-                <a:solidFill>
-                  <a:schemeClr val="tx1"/>
-                </a:solidFill>
-                <a:latin typeface="+mn-lt"/>
-              </a:defRPr>
-            </a:lvl9pPr>
-          </a:lstStyle>
+                <a:effectLst/>
+                <a:uLnTx/>
+                <a:uFillTx/>
+                <a:latin typeface="Times New Roman" panose="02020603050405020304" pitchFamily="18" charset="0"/>
+                <a:ea typeface="+mn-ea"/>
+                <a:cs typeface="Times New Roman" panose="02020603050405020304" pitchFamily="18" charset="0"/>
+              </a:rPr>
+              <a:t>Requires Active Input: Users must input their preferences regularly for the system to remain effective, which could be a hassle for some.</a:t>
+            </a:r>
+            <a:endParaRPr kumimoji="0" lang="en-IN" altLang="en-US" sz="1800" i="0" u="none" strike="noStrike" kern="1200" cap="none" spc="0" normalizeH="0" baseline="0" noProof="0" dirty="0">
+              <a:ln>
+                <a:noFill/>
+              </a:ln>
+              <a:solidFill>
+                <a:srgbClr val="000000"/>
+              </a:solidFill>
+              <a:effectLst/>
+              <a:uLnTx/>
+              <a:uFillTx/>
+              <a:latin typeface="Times New Roman" panose="02020603050405020304" pitchFamily="18" charset="0"/>
+              <a:ea typeface="+mn-ea"/>
+              <a:cs typeface="Times New Roman" panose="02020603050405020304" pitchFamily="18" charset="0"/>
+            </a:endParaRPr>
+          </a:p>
           <a:p>
             <a:pPr marL="0" indent="0">
               <a:buClr>
                 <a:srgbClr val="CC0000"/>
               </a:buClr>
-              <a:buFont typeface="Wingdings" panose="05000000000000000000" pitchFamily="2" charset="2"/>
               <a:buNone/>
               <a:defRPr/>
             </a:pPr>
-            <a:r>
-              <a:rPr lang="en-IN" altLang="en-US" sz="2400" b="1" dirty="0">
-                <a:solidFill>
-                  <a:srgbClr val="000000"/>
-                </a:solidFill>
-                <a:latin typeface="Times New Roman" panose="02020603050405020304" pitchFamily="18" charset="0"/>
-                <a:cs typeface="Times New Roman" panose="02020603050405020304" pitchFamily="18" charset="0"/>
-              </a:rPr>
-              <a:t>Features of Proposed System:</a:t>
-            </a:r>
-          </a:p>
-          <a:p>
-            <a:pPr>
-              <a:buClr>
-                <a:srgbClr val="CC0000"/>
-              </a:buClr>
-              <a:defRPr/>
-            </a:pPr>
-            <a:r>
-              <a:rPr lang="en-US" altLang="en-US" sz="1800" dirty="0">
-                <a:solidFill>
-                  <a:srgbClr val="000000"/>
-                </a:solidFill>
-                <a:latin typeface="Times New Roman" panose="02020603050405020304" pitchFamily="18" charset="0"/>
-                <a:cs typeface="Times New Roman" panose="02020603050405020304" pitchFamily="18" charset="0"/>
-              </a:rPr>
-              <a:t>Enhanced Personalization: Matches books to preferred narrative styles.</a:t>
-            </a:r>
-          </a:p>
-          <a:p>
-            <a:pPr>
-              <a:buClr>
-                <a:srgbClr val="CC0000"/>
-              </a:buClr>
-              <a:defRPr/>
-            </a:pPr>
-            <a:r>
-              <a:rPr lang="en-US" altLang="en-US" sz="1800" dirty="0">
-                <a:solidFill>
-                  <a:srgbClr val="000000"/>
-                </a:solidFill>
-                <a:latin typeface="Times New Roman" panose="02020603050405020304" pitchFamily="18" charset="0"/>
-                <a:cs typeface="Times New Roman" panose="02020603050405020304" pitchFamily="18" charset="0"/>
-              </a:rPr>
-              <a:t>Optimized Reading Experience: Suggests books based on available reading time.</a:t>
-            </a:r>
-          </a:p>
-          <a:p>
-            <a:pPr>
-              <a:buClr>
-                <a:srgbClr val="CC0000"/>
-              </a:buClr>
-              <a:defRPr/>
-            </a:pPr>
-            <a:r>
-              <a:rPr lang="en-US" altLang="en-US" sz="1800" dirty="0">
-                <a:solidFill>
-                  <a:srgbClr val="000000"/>
-                </a:solidFill>
-                <a:latin typeface="Times New Roman" panose="02020603050405020304" pitchFamily="18" charset="0"/>
-                <a:cs typeface="Times New Roman" panose="02020603050405020304" pitchFamily="18" charset="0"/>
-              </a:rPr>
-              <a:t>Informed Decision-Making: Provides interactive previews to test interest.</a:t>
-            </a:r>
-          </a:p>
-          <a:p>
-            <a:pPr>
-              <a:buClr>
-                <a:srgbClr val="CC0000"/>
-              </a:buClr>
-              <a:defRPr/>
-            </a:pPr>
-            <a:r>
-              <a:rPr lang="en-US" altLang="en-US" sz="1800" dirty="0">
-                <a:solidFill>
-                  <a:srgbClr val="000000"/>
-                </a:solidFill>
-                <a:latin typeface="Times New Roman" panose="02020603050405020304" pitchFamily="18" charset="0"/>
-                <a:cs typeface="Times New Roman" panose="02020603050405020304" pitchFamily="18" charset="0"/>
-              </a:rPr>
-              <a:t>Increased Engagement: Uses gamification to encourage reading and exploration.</a:t>
-            </a:r>
-          </a:p>
-          <a:p>
-            <a:pPr>
-              <a:buClr>
-                <a:srgbClr val="CC0000"/>
-              </a:buClr>
-              <a:defRPr/>
-            </a:pPr>
-            <a:r>
-              <a:rPr lang="en-US" altLang="en-US" sz="1800" dirty="0">
-                <a:solidFill>
-                  <a:srgbClr val="000000"/>
-                </a:solidFill>
-                <a:latin typeface="Times New Roman" panose="02020603050405020304" pitchFamily="18" charset="0"/>
-                <a:cs typeface="Times New Roman" panose="02020603050405020304" pitchFamily="18" charset="0"/>
-              </a:rPr>
-              <a:t>Cross-Media Appeal: Recommends books alongside related movies or TV shows.</a:t>
-            </a:r>
-          </a:p>
-          <a:p>
-            <a:pPr>
-              <a:buClr>
-                <a:srgbClr val="CC0000"/>
-              </a:buClr>
-              <a:defRPr/>
-            </a:pPr>
-            <a:r>
-              <a:rPr lang="en-US" altLang="en-US" sz="1800" dirty="0">
-                <a:solidFill>
-                  <a:srgbClr val="000000"/>
-                </a:solidFill>
-                <a:latin typeface="Times New Roman" panose="02020603050405020304" pitchFamily="18" charset="0"/>
-                <a:cs typeface="Times New Roman" panose="02020603050405020304" pitchFamily="18" charset="0"/>
-              </a:rPr>
-              <a:t>Comprehensive Customization: Integrates multiple preferences for tailored suggestions.</a:t>
-            </a:r>
+            <a:endParaRPr lang="en-IN" altLang="en-US" sz="2000" dirty="0">
+              <a:solidFill>
+                <a:srgbClr val="000000"/>
+              </a:solidFill>
+              <a:latin typeface="Times New Roman" panose="02020603050405020304" pitchFamily="18" charset="0"/>
+              <a:cs typeface="Times New Roman" panose="02020603050405020304" pitchFamily="18" charset="0"/>
+            </a:endParaRPr>
           </a:p>
         </p:txBody>
       </p:sp>
@@ -11544,7 +11426,7 @@
         </p:nvSpPr>
         <p:spPr>
           <a:xfrm>
-            <a:off x="69011" y="586957"/>
+            <a:off x="812800" y="950850"/>
             <a:ext cx="10668000" cy="476250"/>
           </a:xfrm>
         </p:spPr>
@@ -11558,7 +11440,7 @@
                   <a:srgbClr val="FF0000"/>
                 </a:solidFill>
               </a:rPr>
-              <a:t>Architecture</a:t>
+              <a:t>Architecture:</a:t>
             </a:r>
           </a:p>
         </p:txBody>
@@ -11689,7 +11571,10 @@
           <a:lstStyle/>
           <a:p>
             <a:r>
-              <a:rPr lang="en-US" sz="1900" b="1" dirty="0"/>
+              <a:rPr lang="en-US" sz="1900" b="1" dirty="0">
+                <a:latin typeface="Times New Roman" panose="02020603050405020304" pitchFamily="18" charset="0"/>
+                <a:cs typeface="Times New Roman" panose="02020603050405020304" pitchFamily="18" charset="0"/>
+              </a:rPr>
               <a:t>1. User Management Module:</a:t>
             </a:r>
           </a:p>
@@ -11699,11 +11584,17 @@
               <a:buChar char="•"/>
             </a:pPr>
             <a:r>
-              <a:rPr lang="en-US" sz="1800" b="1" dirty="0"/>
+              <a:rPr lang="en-US" sz="1800" b="1" dirty="0">
+                <a:latin typeface="Times New Roman" panose="02020603050405020304" pitchFamily="18" charset="0"/>
+                <a:cs typeface="Times New Roman" panose="02020603050405020304" pitchFamily="18" charset="0"/>
+              </a:rPr>
               <a:t>Login/Registration</a:t>
             </a:r>
             <a:r>
-              <a:rPr lang="en-US" sz="1800" dirty="0"/>
+              <a:rPr lang="en-US" sz="1800" dirty="0">
+                <a:latin typeface="Times New Roman" panose="02020603050405020304" pitchFamily="18" charset="0"/>
+                <a:cs typeface="Times New Roman" panose="02020603050405020304" pitchFamily="18" charset="0"/>
+              </a:rPr>
               <a:t>: Handles user authentication, enabling users to log in, register, and manage their credentials.</a:t>
             </a:r>
           </a:p>
@@ -11713,11 +11604,17 @@
               <a:buChar char="•"/>
             </a:pPr>
             <a:r>
-              <a:rPr lang="en-US" sz="1800" b="1" dirty="0"/>
+              <a:rPr lang="en-US" sz="1800" b="1" dirty="0">
+                <a:latin typeface="Times New Roman" panose="02020603050405020304" pitchFamily="18" charset="0"/>
+                <a:cs typeface="Times New Roman" panose="02020603050405020304" pitchFamily="18" charset="0"/>
+              </a:rPr>
               <a:t>Profile Management</a:t>
             </a:r>
             <a:r>
-              <a:rPr lang="en-US" sz="1800" dirty="0"/>
+              <a:rPr lang="en-US" sz="1800" dirty="0">
+                <a:latin typeface="Times New Roman" panose="02020603050405020304" pitchFamily="18" charset="0"/>
+                <a:cs typeface="Times New Roman" panose="02020603050405020304" pitchFamily="18" charset="0"/>
+              </a:rPr>
               <a:t>: Allows users to view and update personal details such as their name and preferences.</a:t>
             </a:r>
           </a:p>
@@ -11727,17 +11624,35 @@
               <a:buChar char="•"/>
             </a:pPr>
             <a:r>
-              <a:rPr lang="en-US" sz="1800" b="1" dirty="0"/>
+              <a:rPr lang="en-US" sz="1800" b="1" dirty="0">
+                <a:latin typeface="Times New Roman" panose="02020603050405020304" pitchFamily="18" charset="0"/>
+                <a:cs typeface="Times New Roman" panose="02020603050405020304" pitchFamily="18" charset="0"/>
+              </a:rPr>
               <a:t>Session Management</a:t>
             </a:r>
             <a:r>
-              <a:rPr lang="en-US" sz="1800" dirty="0"/>
+              <a:rPr lang="en-US" sz="1800" dirty="0">
+                <a:latin typeface="Times New Roman" panose="02020603050405020304" pitchFamily="18" charset="0"/>
+                <a:cs typeface="Times New Roman" panose="02020603050405020304" pitchFamily="18" charset="0"/>
+              </a:rPr>
               <a:t>: Manages user sessions, ensuring users stay logged in during interactions with the app.</a:t>
             </a:r>
           </a:p>
           <a:p>
-            <a:r>
-              <a:rPr lang="en-US" sz="1900" b="1" dirty="0"/>
+            <a:pPr marL="0" indent="0">
+              <a:buNone/>
+            </a:pPr>
+            <a:endParaRPr lang="en-US" sz="1800" dirty="0">
+              <a:latin typeface="Times New Roman" panose="02020603050405020304" pitchFamily="18" charset="0"/>
+              <a:cs typeface="Times New Roman" panose="02020603050405020304" pitchFamily="18" charset="0"/>
+            </a:endParaRPr>
+          </a:p>
+          <a:p>
+            <a:r>
+              <a:rPr lang="en-US" sz="1900" b="1" dirty="0">
+                <a:latin typeface="Times New Roman" panose="02020603050405020304" pitchFamily="18" charset="0"/>
+                <a:cs typeface="Times New Roman" panose="02020603050405020304" pitchFamily="18" charset="0"/>
+              </a:rPr>
               <a:t>2. Book Recommendation Module:</a:t>
             </a:r>
           </a:p>
@@ -11747,11 +11662,17 @@
               <a:buChar char="•"/>
             </a:pPr>
             <a:r>
-              <a:rPr lang="en-US" sz="1800" b="1" dirty="0"/>
+              <a:rPr lang="en-US" sz="1800" b="1" dirty="0">
+                <a:latin typeface="Times New Roman" panose="02020603050405020304" pitchFamily="18" charset="0"/>
+                <a:cs typeface="Times New Roman" panose="02020603050405020304" pitchFamily="18" charset="0"/>
+              </a:rPr>
               <a:t>Book Catalog</a:t>
             </a:r>
             <a:r>
-              <a:rPr lang="en-US" sz="1800" dirty="0"/>
+              <a:rPr lang="en-US" sz="1800" dirty="0">
+                <a:latin typeface="Times New Roman" panose="02020603050405020304" pitchFamily="18" charset="0"/>
+                <a:cs typeface="Times New Roman" panose="02020603050405020304" pitchFamily="18" charset="0"/>
+              </a:rPr>
               <a:t>: Displays a list of available books along with their details, such as title, genre, and length.</a:t>
             </a:r>
           </a:p>
@@ -11761,11 +11682,17 @@
               <a:buChar char="•"/>
             </a:pPr>
             <a:r>
-              <a:rPr lang="en-US" sz="1800" b="1" dirty="0"/>
+              <a:rPr lang="en-US" sz="1800" b="1" dirty="0">
+                <a:latin typeface="Times New Roman" panose="02020603050405020304" pitchFamily="18" charset="0"/>
+                <a:cs typeface="Times New Roman" panose="02020603050405020304" pitchFamily="18" charset="0"/>
+              </a:rPr>
               <a:t>Search &amp; Filter</a:t>
             </a:r>
             <a:r>
-              <a:rPr lang="en-US" sz="1800" dirty="0"/>
+              <a:rPr lang="en-US" sz="1800" dirty="0">
+                <a:latin typeface="Times New Roman" panose="02020603050405020304" pitchFamily="18" charset="0"/>
+                <a:cs typeface="Times New Roman" panose="02020603050405020304" pitchFamily="18" charset="0"/>
+              </a:rPr>
               <a:t>: Provides users with the ability to search for books based on specific criteria like genre and narrative style.</a:t>
             </a:r>
           </a:p>
@@ -11775,11 +11702,17 @@
               <a:buChar char="•"/>
             </a:pPr>
             <a:r>
-              <a:rPr lang="en-US" sz="1800" b="1" dirty="0"/>
+              <a:rPr lang="en-US" sz="1800" b="1" dirty="0">
+                <a:latin typeface="Times New Roman" panose="02020603050405020304" pitchFamily="18" charset="0"/>
+                <a:cs typeface="Times New Roman" panose="02020603050405020304" pitchFamily="18" charset="0"/>
+              </a:rPr>
               <a:t>Book Recommendation Engine</a:t>
             </a:r>
             <a:r>
-              <a:rPr lang="en-US" sz="1800" dirty="0"/>
+              <a:rPr lang="en-US" sz="1800" dirty="0">
+                <a:latin typeface="Times New Roman" panose="02020603050405020304" pitchFamily="18" charset="0"/>
+                <a:cs typeface="Times New Roman" panose="02020603050405020304" pitchFamily="18" charset="0"/>
+              </a:rPr>
               <a:t>: Recommends books based on user preferences, such as genre, narrative, and preferred reading time.</a:t>
             </a:r>
           </a:p>
@@ -11788,7 +11721,10 @@
               <a:buFont typeface="Arial" panose="020B0604020202020204" pitchFamily="34" charset="0"/>
               <a:buChar char="•"/>
             </a:pPr>
-            <a:endParaRPr lang="en-US" sz="1800" dirty="0"/>
+            <a:endParaRPr lang="en-US" sz="1800" dirty="0">
+              <a:latin typeface="Times New Roman" panose="02020603050405020304" pitchFamily="18" charset="0"/>
+              <a:cs typeface="Times New Roman" panose="02020603050405020304" pitchFamily="18" charset="0"/>
+            </a:endParaRPr>
           </a:p>
         </p:txBody>
       </p:sp>
@@ -11978,7 +11914,10 @@
           <a:lstStyle/>
           <a:p>
             <a:r>
-              <a:rPr lang="en-US" sz="1800" b="1" dirty="0"/>
+              <a:rPr lang="en-US" sz="1800" b="1" dirty="0">
+                <a:latin typeface="Times New Roman" panose="02020603050405020304" pitchFamily="18" charset="0"/>
+                <a:cs typeface="Times New Roman" panose="02020603050405020304" pitchFamily="18" charset="0"/>
+              </a:rPr>
               <a:t>3. Admin Management Module:</a:t>
             </a:r>
           </a:p>
@@ -11988,11 +11927,17 @@
               <a:buChar char="•"/>
             </a:pPr>
             <a:r>
-              <a:rPr lang="en-US" sz="1800" b="1" dirty="0"/>
+              <a:rPr lang="en-US" sz="1800" b="1" dirty="0">
+                <a:latin typeface="Times New Roman" panose="02020603050405020304" pitchFamily="18" charset="0"/>
+                <a:cs typeface="Times New Roman" panose="02020603050405020304" pitchFamily="18" charset="0"/>
+              </a:rPr>
               <a:t>User Management</a:t>
             </a:r>
             <a:r>
-              <a:rPr lang="en-US" sz="1800" dirty="0"/>
+              <a:rPr lang="en-US" sz="1800" dirty="0">
+                <a:latin typeface="Times New Roman" panose="02020603050405020304" pitchFamily="18" charset="0"/>
+                <a:cs typeface="Times New Roman" panose="02020603050405020304" pitchFamily="18" charset="0"/>
+              </a:rPr>
               <a:t>: Allows the admin to manage users, including registration, login status, and other user details.</a:t>
             </a:r>
           </a:p>
@@ -12002,11 +11947,17 @@
               <a:buChar char="•"/>
             </a:pPr>
             <a:r>
-              <a:rPr lang="en-US" sz="1800" b="1" dirty="0"/>
+              <a:rPr lang="en-US" sz="1800" b="1" dirty="0">
+                <a:latin typeface="Times New Roman" panose="02020603050405020304" pitchFamily="18" charset="0"/>
+                <a:cs typeface="Times New Roman" panose="02020603050405020304" pitchFamily="18" charset="0"/>
+              </a:rPr>
               <a:t>Book Management</a:t>
             </a:r>
             <a:r>
-              <a:rPr lang="en-US" sz="1800" dirty="0"/>
+              <a:rPr lang="en-US" sz="1800" dirty="0">
+                <a:latin typeface="Times New Roman" panose="02020603050405020304" pitchFamily="18" charset="0"/>
+                <a:cs typeface="Times New Roman" panose="02020603050405020304" pitchFamily="18" charset="0"/>
+              </a:rPr>
               <a:t>: Admin can add, update, or remove books from the catalog, keeping the recommendations fresh.</a:t>
             </a:r>
           </a:p>
@@ -12016,11 +11967,17 @@
               <a:buChar char="•"/>
             </a:pPr>
             <a:r>
-              <a:rPr lang="en-US" sz="1800" b="1" dirty="0"/>
+              <a:rPr lang="en-US" sz="1800" b="1" dirty="0">
+                <a:latin typeface="Times New Roman" panose="02020603050405020304" pitchFamily="18" charset="0"/>
+                <a:cs typeface="Times New Roman" panose="02020603050405020304" pitchFamily="18" charset="0"/>
+              </a:rPr>
               <a:t>Reporting</a:t>
             </a:r>
             <a:r>
-              <a:rPr lang="en-US" sz="1800" dirty="0"/>
+              <a:rPr lang="en-US" sz="1800" dirty="0">
+                <a:latin typeface="Times New Roman" panose="02020603050405020304" pitchFamily="18" charset="0"/>
+                <a:cs typeface="Times New Roman" panose="02020603050405020304" pitchFamily="18" charset="0"/>
+              </a:rPr>
               <a:t>: Provides insights into user activity, book recommendations, and other statistics for monitoring system performance.</a:t>
             </a:r>
           </a:p>
